--- a/Spark Streaming.pptx
+++ b/Spark Streaming.pptx
@@ -5,13 +5,15 @@
     <p:sldMasterId id="2147483648" r:id="rId1"/>
   </p:sldMasterIdLst>
   <p:notesMasterIdLst>
-    <p:notesMasterId r:id="rId6"/>
+    <p:notesMasterId r:id="rId8"/>
   </p:notesMasterIdLst>
   <p:sldIdLst>
     <p:sldId id="256" r:id="rId2"/>
-    <p:sldId id="257" r:id="rId3"/>
-    <p:sldId id="259" r:id="rId4"/>
-    <p:sldId id="258" r:id="rId5"/>
+    <p:sldId id="309" r:id="rId3"/>
+    <p:sldId id="258" r:id="rId4"/>
+    <p:sldId id="257" r:id="rId5"/>
+    <p:sldId id="259" r:id="rId6"/>
+    <p:sldId id="308" r:id="rId7"/>
   </p:sldIdLst>
   <p:sldSz cx="12192000" cy="6858000"/>
   <p:notesSz cx="6858000" cy="9144000"/>
@@ -110,6 +112,11 @@
       </a:defRPr>
     </a:lvl9pPr>
   </p:defaultTextStyle>
+  <p:extLst>
+    <p:ext uri="{EFAFB233-063F-42B5-8137-9DF3F51BA10A}">
+      <p15:sldGuideLst xmlns:p15="http://schemas.microsoft.com/office/powerpoint/2012/main"/>
+    </p:ext>
+  </p:extLst>
 </p:presentation>
 </file>
 
@@ -195,7 +202,7 @@
           <a:p>
             <a:fld id="{CAFA0442-3EB0-4F6F-B479-D0C8F6B692E9}" type="datetimeFigureOut">
               <a:rPr lang="fr-FR" smtClean="0"/>
-              <a:t>08/06/2021</a:t>
+              <a:t>08/07/2021</a:t>
             </a:fld>
             <a:endParaRPr lang="fr-FR"/>
           </a:p>
@@ -462,6 +469,115 @@
 </p:notesMaster>
 </file>
 
+<file path=ppt/notesSlides/notesSlide1.xml><?xml version="1.0" encoding="utf-8"?>
+<p:notes xmlns:a="http://schemas.openxmlformats.org/drawingml/2006/main" xmlns:r="http://schemas.openxmlformats.org/officeDocument/2006/relationships" xmlns:p="http://schemas.openxmlformats.org/presentationml/2006/main" showMasterSp="0" showMasterPhAnim="0">
+  <p:cSld>
+    <p:spTree>
+      <p:nvGrpSpPr>
+        <p:cNvPr id="1" name="Shape 294"/>
+        <p:cNvGrpSpPr/>
+        <p:nvPr/>
+      </p:nvGrpSpPr>
+      <p:grpSpPr>
+        <a:xfrm>
+          <a:off x="0" y="0"/>
+          <a:ext cx="0" cy="0"/>
+          <a:chOff x="0" y="0"/>
+          <a:chExt cx="0" cy="0"/>
+        </a:xfrm>
+      </p:grpSpPr>
+      <p:sp>
+        <p:nvSpPr>
+          <p:cNvPr id="295" name="Google Shape;295;gcc70bc0d38_2_238:notes"/>
+          <p:cNvSpPr>
+            <a:spLocks noGrp="1" noRot="1" noChangeAspect="1"/>
+          </p:cNvSpPr>
+          <p:nvPr>
+            <p:ph type="sldImg" idx="2"/>
+          </p:nvPr>
+        </p:nvSpPr>
+        <p:spPr>
+          <a:xfrm>
+            <a:off x="381000" y="685800"/>
+            <a:ext cx="6096000" cy="3429000"/>
+          </a:xfrm>
+          <a:custGeom>
+            <a:avLst/>
+            <a:gdLst/>
+            <a:ahLst/>
+            <a:cxnLst/>
+            <a:rect l="l" t="t" r="r" b="b"/>
+            <a:pathLst>
+              <a:path w="120000" h="120000" extrusionOk="0">
+                <a:moveTo>
+                  <a:pt x="0" y="0"/>
+                </a:moveTo>
+                <a:lnTo>
+                  <a:pt x="120000" y="0"/>
+                </a:lnTo>
+                <a:lnTo>
+                  <a:pt x="120000" y="120000"/>
+                </a:lnTo>
+                <a:lnTo>
+                  <a:pt x="0" y="120000"/>
+                </a:lnTo>
+                <a:close/>
+              </a:path>
+            </a:pathLst>
+          </a:custGeom>
+        </p:spPr>
+      </p:sp>
+      <p:sp>
+        <p:nvSpPr>
+          <p:cNvPr id="296" name="Google Shape;296;gcc70bc0d38_2_238:notes"/>
+          <p:cNvSpPr txBox="1">
+            <a:spLocks noGrp="1"/>
+          </p:cNvSpPr>
+          <p:nvPr>
+            <p:ph type="body" idx="1"/>
+          </p:nvPr>
+        </p:nvSpPr>
+        <p:spPr>
+          <a:xfrm>
+            <a:off x="685800" y="4343400"/>
+            <a:ext cx="5486400" cy="4114800"/>
+          </a:xfrm>
+          <a:prstGeom prst="rect">
+            <a:avLst/>
+          </a:prstGeom>
+        </p:spPr>
+        <p:txBody>
+          <a:bodyPr spcFirstLastPara="1" wrap="square" lIns="91425" tIns="91425" rIns="91425" bIns="91425" anchor="t" anchorCtr="0">
+            <a:noAutofit/>
+          </a:bodyPr>
+          <a:lstStyle/>
+          <a:p>
+            <a:pPr marL="0" lvl="0" indent="0" algn="l" rtl="0">
+              <a:spcBef>
+                <a:spcPts val="0"/>
+              </a:spcBef>
+              <a:spcAft>
+                <a:spcPts val="0"/>
+              </a:spcAft>
+              <a:buNone/>
+            </a:pPr>
+            <a:endParaRPr dirty="0"/>
+          </a:p>
+        </p:txBody>
+      </p:sp>
+    </p:spTree>
+    <p:extLst>
+      <p:ext uri="{BB962C8B-B14F-4D97-AF65-F5344CB8AC3E}">
+        <p14:creationId xmlns:p14="http://schemas.microsoft.com/office/powerpoint/2010/main" val="1763696626"/>
+      </p:ext>
+    </p:extLst>
+  </p:cSld>
+  <p:clrMapOvr>
+    <a:masterClrMapping/>
+  </p:clrMapOvr>
+</p:notes>
+</file>
+
 <file path=ppt/slideLayouts/slideLayout1.xml><?xml version="1.0" encoding="utf-8"?>
 <p:sldLayout xmlns:a="http://schemas.openxmlformats.org/drawingml/2006/main" xmlns:r="http://schemas.openxmlformats.org/officeDocument/2006/relationships" xmlns:p="http://schemas.openxmlformats.org/presentationml/2006/main" type="title" preserve="1">
   <p:cSld name="Diapositive de titre">
@@ -648,7 +764,7 @@
           <a:p>
             <a:fld id="{D2EC1DDB-B1DC-4819-B61F-CFE2A222800F}" type="datetime1">
               <a:rPr lang="en-US" smtClean="0"/>
-              <a:t>6/8/2021</a:t>
+              <a:t>7/8/2021</a:t>
             </a:fld>
             <a:endParaRPr lang="en-US" dirty="0"/>
           </a:p>
@@ -918,7 +1034,7 @@
           <a:p>
             <a:fld id="{C383B759-4382-405D-A76F-836AE6F35A8F}" type="datetime1">
               <a:rPr lang="en-US" smtClean="0"/>
-              <a:t>6/8/2021</a:t>
+              <a:t>7/8/2021</a:t>
             </a:fld>
             <a:endParaRPr lang="en-US" dirty="0"/>
           </a:p>
@@ -1107,7 +1223,7 @@
           <a:p>
             <a:fld id="{F70351BA-6C33-4E2A-BD47-C60DF53072D2}" type="datetime1">
               <a:rPr lang="en-US" smtClean="0"/>
-              <a:t>6/8/2021</a:t>
+              <a:t>7/8/2021</a:t>
             </a:fld>
             <a:endParaRPr lang="en-US" dirty="0"/>
           </a:p>
@@ -1375,7 +1491,7 @@
           <a:p>
             <a:fld id="{72FDF699-75B2-420C-94E3-750CB430E77A}" type="datetime1">
               <a:rPr lang="en-US" smtClean="0"/>
-              <a:t>6/8/2021</a:t>
+              <a:t>7/8/2021</a:t>
             </a:fld>
             <a:endParaRPr lang="en-US" dirty="0"/>
           </a:p>
@@ -1711,7 +1827,7 @@
           <a:p>
             <a:fld id="{2E066683-A436-4D7E-9DD0-FA74CA79CA7B}" type="datetime1">
               <a:rPr lang="en-US" smtClean="0"/>
-              <a:t>6/8/2021</a:t>
+              <a:t>7/8/2021</a:t>
             </a:fld>
             <a:endParaRPr lang="en-US" dirty="0"/>
           </a:p>
@@ -2329,7 +2445,7 @@
           <a:p>
             <a:fld id="{3C44E4C2-4AB0-4725-8C00-4C69FFEB45A9}" type="datetime1">
               <a:rPr lang="en-US" smtClean="0"/>
-              <a:t>6/8/2021</a:t>
+              <a:t>7/8/2021</a:t>
             </a:fld>
             <a:endParaRPr lang="en-US" dirty="0"/>
           </a:p>
@@ -3184,7 +3300,7 @@
           <a:p>
             <a:fld id="{989DE176-ECE1-49F7-972C-6C8ABE375944}" type="datetime1">
               <a:rPr lang="en-US" smtClean="0"/>
-              <a:t>6/8/2021</a:t>
+              <a:t>7/8/2021</a:t>
             </a:fld>
             <a:endParaRPr lang="en-US" dirty="0"/>
           </a:p>
@@ -3349,7 +3465,7 @@
           <a:p>
             <a:fld id="{93D4EFF9-D4B1-46D3-9EDD-7E3DCB386778}" type="datetime1">
               <a:rPr lang="en-US" smtClean="0"/>
-              <a:t>6/8/2021</a:t>
+              <a:t>7/8/2021</a:t>
             </a:fld>
             <a:endParaRPr lang="en-US" dirty="0"/>
           </a:p>
@@ -3524,7 +3640,7 @@
           <a:p>
             <a:fld id="{47B1993A-E540-4B42-93BE-048F3782FFAE}" type="datetime1">
               <a:rPr lang="en-US" smtClean="0"/>
-              <a:t>6/8/2021</a:t>
+              <a:t>7/8/2021</a:t>
             </a:fld>
             <a:endParaRPr lang="en-US" dirty="0"/>
           </a:p>
@@ -3573,6 +3689,383 @@
         </p:txBody>
       </p:sp>
     </p:spTree>
+  </p:cSld>
+  <p:clrMapOvr>
+    <a:masterClrMapping/>
+  </p:clrMapOvr>
+</p:sldLayout>
+</file>
+
+<file path=ppt/slideLayouts/slideLayout18.xml><?xml version="1.0" encoding="utf-8"?>
+<p:sldLayout xmlns:a="http://schemas.openxmlformats.org/drawingml/2006/main" xmlns:r="http://schemas.openxmlformats.org/officeDocument/2006/relationships" xmlns:p="http://schemas.openxmlformats.org/presentationml/2006/main" matchingName="Title and body" type="tx">
+  <p:cSld name="Title and body">
+    <p:spTree>
+      <p:nvGrpSpPr>
+        <p:cNvPr id="1" name="Shape 25"/>
+        <p:cNvGrpSpPr/>
+        <p:nvPr/>
+      </p:nvGrpSpPr>
+      <p:grpSpPr>
+        <a:xfrm>
+          <a:off x="0" y="0"/>
+          <a:ext cx="0" cy="0"/>
+          <a:chOff x="0" y="0"/>
+          <a:chExt cx="0" cy="0"/>
+        </a:xfrm>
+      </p:grpSpPr>
+      <p:sp>
+        <p:nvSpPr>
+          <p:cNvPr id="26" name="Google Shape;26;p4"/>
+          <p:cNvSpPr txBox="1">
+            <a:spLocks noGrp="1"/>
+          </p:cNvSpPr>
+          <p:nvPr>
+            <p:ph type="title"/>
+          </p:nvPr>
+        </p:nvSpPr>
+        <p:spPr>
+          <a:xfrm>
+            <a:off x="949800" y="390167"/>
+            <a:ext cx="10292400" cy="763600"/>
+          </a:xfrm>
+          <a:prstGeom prst="rect">
+            <a:avLst/>
+          </a:prstGeom>
+        </p:spPr>
+        <p:txBody>
+          <a:bodyPr spcFirstLastPara="1" wrap="square" lIns="91425" tIns="91425" rIns="91425" bIns="91425" anchor="t" anchorCtr="0">
+            <a:noAutofit/>
+          </a:bodyPr>
+          <a:lstStyle>
+            <a:lvl1pPr lvl="0">
+              <a:spcBef>
+                <a:spcPts val="0"/>
+              </a:spcBef>
+              <a:spcAft>
+                <a:spcPts val="0"/>
+              </a:spcAft>
+              <a:buSzPts val="4000"/>
+              <a:buNone/>
+              <a:defRPr/>
+            </a:lvl1pPr>
+            <a:lvl2pPr lvl="1">
+              <a:spcBef>
+                <a:spcPts val="0"/>
+              </a:spcBef>
+              <a:spcAft>
+                <a:spcPts val="0"/>
+              </a:spcAft>
+              <a:buSzPts val="4000"/>
+              <a:buNone/>
+              <a:defRPr/>
+            </a:lvl2pPr>
+            <a:lvl3pPr lvl="2">
+              <a:spcBef>
+                <a:spcPts val="0"/>
+              </a:spcBef>
+              <a:spcAft>
+                <a:spcPts val="0"/>
+              </a:spcAft>
+              <a:buSzPts val="4000"/>
+              <a:buNone/>
+              <a:defRPr/>
+            </a:lvl3pPr>
+            <a:lvl4pPr lvl="3">
+              <a:spcBef>
+                <a:spcPts val="0"/>
+              </a:spcBef>
+              <a:spcAft>
+                <a:spcPts val="0"/>
+              </a:spcAft>
+              <a:buSzPts val="4000"/>
+              <a:buNone/>
+              <a:defRPr/>
+            </a:lvl4pPr>
+            <a:lvl5pPr lvl="4">
+              <a:spcBef>
+                <a:spcPts val="0"/>
+              </a:spcBef>
+              <a:spcAft>
+                <a:spcPts val="0"/>
+              </a:spcAft>
+              <a:buSzPts val="4000"/>
+              <a:buNone/>
+              <a:defRPr/>
+            </a:lvl5pPr>
+            <a:lvl6pPr lvl="5">
+              <a:spcBef>
+                <a:spcPts val="0"/>
+              </a:spcBef>
+              <a:spcAft>
+                <a:spcPts val="0"/>
+              </a:spcAft>
+              <a:buSzPts val="4000"/>
+              <a:buNone/>
+              <a:defRPr/>
+            </a:lvl6pPr>
+            <a:lvl7pPr lvl="6">
+              <a:spcBef>
+                <a:spcPts val="0"/>
+              </a:spcBef>
+              <a:spcAft>
+                <a:spcPts val="0"/>
+              </a:spcAft>
+              <a:buSzPts val="4000"/>
+              <a:buNone/>
+              <a:defRPr/>
+            </a:lvl7pPr>
+            <a:lvl8pPr lvl="7">
+              <a:spcBef>
+                <a:spcPts val="0"/>
+              </a:spcBef>
+              <a:spcAft>
+                <a:spcPts val="0"/>
+              </a:spcAft>
+              <a:buSzPts val="4000"/>
+              <a:buNone/>
+              <a:defRPr/>
+            </a:lvl8pPr>
+            <a:lvl9pPr lvl="8">
+              <a:spcBef>
+                <a:spcPts val="0"/>
+              </a:spcBef>
+              <a:spcAft>
+                <a:spcPts val="0"/>
+              </a:spcAft>
+              <a:buSzPts val="4000"/>
+              <a:buNone/>
+              <a:defRPr/>
+            </a:lvl9pPr>
+          </a:lstStyle>
+          <a:p>
+            <a:endParaRPr/>
+          </a:p>
+        </p:txBody>
+      </p:sp>
+      <p:sp>
+        <p:nvSpPr>
+          <p:cNvPr id="27" name="Google Shape;27;p4"/>
+          <p:cNvSpPr txBox="1">
+            <a:spLocks noGrp="1"/>
+          </p:cNvSpPr>
+          <p:nvPr>
+            <p:ph type="subTitle" idx="1"/>
+          </p:nvPr>
+        </p:nvSpPr>
+        <p:spPr>
+          <a:xfrm>
+            <a:off x="946500" y="1437667"/>
+            <a:ext cx="10292400" cy="4705600"/>
+          </a:xfrm>
+          <a:prstGeom prst="rect">
+            <a:avLst/>
+          </a:prstGeom>
+        </p:spPr>
+        <p:txBody>
+          <a:bodyPr spcFirstLastPara="1" wrap="square" lIns="91425" tIns="91425" rIns="91425" bIns="91425" anchor="t" anchorCtr="0">
+            <a:noAutofit/>
+          </a:bodyPr>
+          <a:lstStyle>
+            <a:lvl1pPr lvl="0">
+              <a:spcBef>
+                <a:spcPts val="0"/>
+              </a:spcBef>
+              <a:spcAft>
+                <a:spcPts val="0"/>
+              </a:spcAft>
+              <a:buClr>
+                <a:srgbClr val="434343"/>
+              </a:buClr>
+              <a:buSzPts val="1200"/>
+              <a:buAutoNum type="arabicPeriod"/>
+              <a:defRPr sz="1667"/>
+            </a:lvl1pPr>
+            <a:lvl2pPr lvl="1">
+              <a:spcBef>
+                <a:spcPts val="0"/>
+              </a:spcBef>
+              <a:spcAft>
+                <a:spcPts val="0"/>
+              </a:spcAft>
+              <a:buClr>
+                <a:srgbClr val="434343"/>
+              </a:buClr>
+              <a:buSzPts val="1200"/>
+              <a:buFont typeface="Roboto Condensed Light"/>
+              <a:buAutoNum type="alphaLcPeriod"/>
+              <a:defRPr/>
+            </a:lvl2pPr>
+            <a:lvl3pPr lvl="2">
+              <a:spcBef>
+                <a:spcPts val="0"/>
+              </a:spcBef>
+              <a:spcAft>
+                <a:spcPts val="0"/>
+              </a:spcAft>
+              <a:buClr>
+                <a:srgbClr val="434343"/>
+              </a:buClr>
+              <a:buSzPts val="1200"/>
+              <a:buFont typeface="Roboto Condensed Light"/>
+              <a:buAutoNum type="romanLcPeriod"/>
+              <a:defRPr/>
+            </a:lvl3pPr>
+            <a:lvl4pPr lvl="3">
+              <a:spcBef>
+                <a:spcPts val="0"/>
+              </a:spcBef>
+              <a:spcAft>
+                <a:spcPts val="0"/>
+              </a:spcAft>
+              <a:buClr>
+                <a:srgbClr val="434343"/>
+              </a:buClr>
+              <a:buSzPts val="1200"/>
+              <a:buFont typeface="Roboto Condensed Light"/>
+              <a:buAutoNum type="arabicPeriod"/>
+              <a:defRPr/>
+            </a:lvl4pPr>
+            <a:lvl5pPr lvl="4">
+              <a:spcBef>
+                <a:spcPts val="0"/>
+              </a:spcBef>
+              <a:spcAft>
+                <a:spcPts val="0"/>
+              </a:spcAft>
+              <a:buClr>
+                <a:srgbClr val="434343"/>
+              </a:buClr>
+              <a:buSzPts val="1200"/>
+              <a:buFont typeface="Roboto Condensed Light"/>
+              <a:buAutoNum type="alphaLcPeriod"/>
+              <a:defRPr/>
+            </a:lvl5pPr>
+            <a:lvl6pPr lvl="5">
+              <a:spcBef>
+                <a:spcPts val="0"/>
+              </a:spcBef>
+              <a:spcAft>
+                <a:spcPts val="0"/>
+              </a:spcAft>
+              <a:buClr>
+                <a:srgbClr val="434343"/>
+              </a:buClr>
+              <a:buSzPts val="1200"/>
+              <a:buFont typeface="Roboto Condensed Light"/>
+              <a:buAutoNum type="romanLcPeriod"/>
+              <a:defRPr/>
+            </a:lvl6pPr>
+            <a:lvl7pPr lvl="6">
+              <a:spcBef>
+                <a:spcPts val="0"/>
+              </a:spcBef>
+              <a:spcAft>
+                <a:spcPts val="0"/>
+              </a:spcAft>
+              <a:buClr>
+                <a:srgbClr val="434343"/>
+              </a:buClr>
+              <a:buSzPts val="1200"/>
+              <a:buFont typeface="Roboto Condensed Light"/>
+              <a:buAutoNum type="arabicPeriod"/>
+              <a:defRPr/>
+            </a:lvl7pPr>
+            <a:lvl8pPr lvl="7">
+              <a:spcBef>
+                <a:spcPts val="0"/>
+              </a:spcBef>
+              <a:spcAft>
+                <a:spcPts val="0"/>
+              </a:spcAft>
+              <a:buClr>
+                <a:srgbClr val="434343"/>
+              </a:buClr>
+              <a:buSzPts val="1200"/>
+              <a:buFont typeface="Roboto Condensed Light"/>
+              <a:buAutoNum type="alphaLcPeriod"/>
+              <a:defRPr/>
+            </a:lvl8pPr>
+            <a:lvl9pPr lvl="8">
+              <a:spcBef>
+                <a:spcPts val="0"/>
+              </a:spcBef>
+              <a:spcAft>
+                <a:spcPts val="0"/>
+              </a:spcAft>
+              <a:buClr>
+                <a:srgbClr val="434343"/>
+              </a:buClr>
+              <a:buSzPts val="1200"/>
+              <a:buFont typeface="Roboto Condensed Light"/>
+              <a:buAutoNum type="romanLcPeriod"/>
+              <a:defRPr/>
+            </a:lvl9pPr>
+          </a:lstStyle>
+          <a:p>
+            <a:endParaRPr/>
+          </a:p>
+        </p:txBody>
+      </p:sp>
+      <p:pic>
+        <p:nvPicPr>
+          <p:cNvPr id="28" name="Google Shape;28;p4"/>
+          <p:cNvPicPr preferRelativeResize="0"/>
+          <p:nvPr/>
+        </p:nvPicPr>
+        <p:blipFill rotWithShape="1">
+          <a:blip r:embed="rId2">
+            <a:alphaModFix/>
+          </a:blip>
+          <a:srcRect l="45479" t="19412" r="32667" b="47863"/>
+          <a:stretch/>
+        </p:blipFill>
+        <p:spPr>
+          <a:xfrm rot="1937474" flipH="1">
+            <a:off x="11464211" y="5500183"/>
+            <a:ext cx="2099099" cy="2097024"/>
+          </a:xfrm>
+          <a:prstGeom prst="rect">
+            <a:avLst/>
+          </a:prstGeom>
+          <a:noFill/>
+          <a:ln>
+            <a:noFill/>
+          </a:ln>
+        </p:spPr>
+      </p:pic>
+      <p:pic>
+        <p:nvPicPr>
+          <p:cNvPr id="29" name="Google Shape;29;p4"/>
+          <p:cNvPicPr preferRelativeResize="0"/>
+          <p:nvPr/>
+        </p:nvPicPr>
+        <p:blipFill rotWithShape="1">
+          <a:blip r:embed="rId2">
+            <a:alphaModFix/>
+          </a:blip>
+          <a:srcRect l="86108" t="35146" r="3040" b="35437"/>
+          <a:stretch/>
+        </p:blipFill>
+        <p:spPr>
+          <a:xfrm rot="2121107" flipH="1">
+            <a:off x="-470907" y="-652795"/>
+            <a:ext cx="1040480" cy="1881628"/>
+          </a:xfrm>
+          <a:prstGeom prst="rect">
+            <a:avLst/>
+          </a:prstGeom>
+          <a:noFill/>
+          <a:ln>
+            <a:noFill/>
+          </a:ln>
+        </p:spPr>
+      </p:pic>
+    </p:spTree>
+    <p:extLst>
+      <p:ext uri="{BB962C8B-B14F-4D97-AF65-F5344CB8AC3E}">
+        <p14:creationId xmlns:p14="http://schemas.microsoft.com/office/powerpoint/2010/main" val="1017047972"/>
+      </p:ext>
+    </p:extLst>
   </p:cSld>
   <p:clrMapOvr>
     <a:masterClrMapping/>
@@ -3689,7 +4182,7 @@
           <a:p>
             <a:fld id="{1E63F01D-3A20-46F3-B569-E0B9A51D6BB4}" type="datetime1">
               <a:rPr lang="en-US" smtClean="0"/>
-              <a:t>6/8/2021</a:t>
+              <a:t>7/8/2021</a:t>
             </a:fld>
             <a:endParaRPr lang="en-US" dirty="0"/>
           </a:p>
@@ -3931,7 +4424,7 @@
           <a:p>
             <a:fld id="{721ABB89-7E2A-4B62-8C45-4BFE5CE5853C}" type="datetime1">
               <a:rPr lang="en-US" smtClean="0"/>
-              <a:t>6/8/2021</a:t>
+              <a:t>7/8/2021</a:t>
             </a:fld>
             <a:endParaRPr lang="en-US" dirty="0"/>
           </a:p>
@@ -4218,7 +4711,7 @@
           <a:p>
             <a:fld id="{5C17334E-0BFC-4866-B6B9-7385B7635F20}" type="datetime1">
               <a:rPr lang="en-US" smtClean="0"/>
-              <a:t>6/8/2021</a:t>
+              <a:t>7/8/2021</a:t>
             </a:fld>
             <a:endParaRPr lang="en-US" dirty="0"/>
           </a:p>
@@ -4657,7 +5150,7 @@
           <a:p>
             <a:fld id="{E8F11A12-D7DF-4E5F-8FC8-AAF5BD96725F}" type="datetime1">
               <a:rPr lang="en-US" smtClean="0"/>
-              <a:t>6/8/2021</a:t>
+              <a:t>7/8/2021</a:t>
             </a:fld>
             <a:endParaRPr lang="en-US" dirty="0"/>
           </a:p>
@@ -4770,7 +5263,7 @@
           <a:p>
             <a:fld id="{CAC85AA1-CD49-4D91-B73D-18F7DB651A10}" type="datetime1">
               <a:rPr lang="en-US" smtClean="0"/>
-              <a:t>6/8/2021</a:t>
+              <a:t>7/8/2021</a:t>
             </a:fld>
             <a:endParaRPr lang="en-US" dirty="0"/>
           </a:p>
@@ -4860,7 +5353,7 @@
           <a:p>
             <a:fld id="{BB219EC5-0AC8-4621-936C-30D3D8F585EB}" type="datetime1">
               <a:rPr lang="en-US" smtClean="0"/>
-              <a:t>6/8/2021</a:t>
+              <a:t>7/8/2021</a:t>
             </a:fld>
             <a:endParaRPr lang="en-US" dirty="0"/>
           </a:p>
@@ -5134,7 +5627,7 @@
           <a:p>
             <a:fld id="{EB09F424-9F84-4D7D-90D3-7AA756AE4DD8}" type="datetime1">
               <a:rPr lang="en-US" smtClean="0"/>
-              <a:t>6/8/2021</a:t>
+              <a:t>7/8/2021</a:t>
             </a:fld>
             <a:endParaRPr lang="en-US" dirty="0"/>
           </a:p>
@@ -5404,7 +5897,7 @@
           <a:p>
             <a:fld id="{9CD1D332-1A3D-4850-8120-7BB0DDF838D1}" type="datetime1">
               <a:rPr lang="en-US" smtClean="0"/>
-              <a:t>6/8/2021</a:t>
+              <a:t>7/8/2021</a:t>
             </a:fld>
             <a:endParaRPr lang="en-US" dirty="0"/>
           </a:p>
@@ -5491,7 +5984,7 @@
           <p:nvPr/>
         </p:nvPicPr>
         <p:blipFill rotWithShape="1">
-          <a:blip r:embed="rId19">
+          <a:blip r:embed="rId20">
             <a:extLst>
               <a:ext uri="{28A0092B-C50C-407E-A947-70E740481C1C}">
                 <a14:useLocalDpi xmlns:a14="http://schemas.microsoft.com/office/drawing/2010/main" val="0"/>
@@ -5520,7 +6013,7 @@
           <p:nvPr/>
         </p:nvPicPr>
         <p:blipFill rotWithShape="1">
-          <a:blip r:embed="rId20">
+          <a:blip r:embed="rId21">
             <a:extLst>
               <a:ext uri="{28A0092B-C50C-407E-A947-70E740481C1C}">
                 <a14:useLocalDpi xmlns:a14="http://schemas.microsoft.com/office/drawing/2010/main" val="0"/>
@@ -5612,7 +6105,7 @@
           <p:nvPr/>
         </p:nvPicPr>
         <p:blipFill rotWithShape="1">
-          <a:blip r:embed="rId21">
+          <a:blip r:embed="rId22">
             <a:extLst>
               <a:ext uri="{28A0092B-C50C-407E-A947-70E740481C1C}">
                 <a14:useLocalDpi xmlns:a14="http://schemas.microsoft.com/office/drawing/2010/main" val="0"/>
@@ -5641,7 +6134,7 @@
           <p:nvPr/>
         </p:nvPicPr>
         <p:blipFill rotWithShape="1">
-          <a:blip r:embed="rId22">
+          <a:blip r:embed="rId23">
             <a:extLst>
               <a:ext uri="{28A0092B-C50C-407E-A947-70E740481C1C}">
                 <a14:useLocalDpi xmlns:a14="http://schemas.microsoft.com/office/drawing/2010/main" val="0"/>
@@ -5828,7 +6321,7 @@
           <a:p>
             <a:fld id="{A9F1399C-7505-4D63-84EF-34CD6059FE48}" type="datetime1">
               <a:rPr lang="en-US" smtClean="0"/>
-              <a:t>6/8/2021</a:t>
+              <a:t>7/8/2021</a:t>
             </a:fld>
             <a:endParaRPr lang="en-US" dirty="0"/>
           </a:p>
@@ -5934,6 +6427,7 @@
     <p:sldLayoutId id="2147483670" r:id="rId15"/>
     <p:sldLayoutId id="2147483658" r:id="rId16"/>
     <p:sldLayoutId id="2147483659" r:id="rId17"/>
+    <p:sldLayoutId id="2147483671" r:id="rId18"/>
   </p:sldLayoutIdLst>
   <p:hf hdr="0" ftr="0" dt="0"/>
   <p:txStyles>
@@ -6524,6 +7018,316 @@
           <p:cNvPr id="2" name="Titre 1">
             <a:extLst>
               <a:ext uri="{FF2B5EF4-FFF2-40B4-BE49-F238E27FC236}">
+                <a16:creationId xmlns:a16="http://schemas.microsoft.com/office/drawing/2014/main" id="{8957DA72-31A6-498E-A39D-221C058486F8}"/>
+              </a:ext>
+            </a:extLst>
+          </p:cNvPr>
+          <p:cNvSpPr>
+            <a:spLocks noGrp="1"/>
+          </p:cNvSpPr>
+          <p:nvPr>
+            <p:ph type="title"/>
+          </p:nvPr>
+        </p:nvSpPr>
+        <p:spPr/>
+        <p:txBody>
+          <a:bodyPr/>
+          <a:lstStyle/>
+          <a:p>
+            <a:pPr algn="ctr"/>
+            <a:r>
+              <a:rPr lang="en" sz="4400" dirty="0">
+                <a:latin typeface="Cormorant Unicase"/>
+                <a:ea typeface="Cormorant Unicase"/>
+                <a:cs typeface="Cormorant Unicase"/>
+                <a:sym typeface="Cormorant Unicase"/>
+              </a:rPr>
+              <a:t>Dataset utilisés – Data.gouv</a:t>
+            </a:r>
+            <a:endParaRPr lang="fr-FR" dirty="0"/>
+          </a:p>
+        </p:txBody>
+      </p:sp>
+      <p:sp>
+        <p:nvSpPr>
+          <p:cNvPr id="3" name="Espace réservé du contenu 2">
+            <a:extLst>
+              <a:ext uri="{FF2B5EF4-FFF2-40B4-BE49-F238E27FC236}">
+                <a16:creationId xmlns:a16="http://schemas.microsoft.com/office/drawing/2014/main" id="{3B9149BA-12C0-47D8-8355-F310978B2C64}"/>
+              </a:ext>
+            </a:extLst>
+          </p:cNvPr>
+          <p:cNvSpPr>
+            <a:spLocks noGrp="1"/>
+          </p:cNvSpPr>
+          <p:nvPr>
+            <p:ph idx="1"/>
+          </p:nvPr>
+        </p:nvSpPr>
+        <p:spPr/>
+        <p:txBody>
+          <a:bodyPr/>
+          <a:lstStyle/>
+          <a:p>
+            <a:pPr marL="0" indent="0">
+              <a:buNone/>
+            </a:pPr>
+            <a:r>
+              <a:rPr lang="fr-FR" dirty="0"/>
+              <a:t>Demandes de valeurs foncières géolocalisées</a:t>
+            </a:r>
+          </a:p>
+          <a:p>
+            <a:pPr marL="0" indent="0">
+              <a:buNone/>
+            </a:pPr>
+            <a:endParaRPr lang="fr-FR" dirty="0"/>
+          </a:p>
+          <a:p>
+            <a:pPr>
+              <a:spcBef>
+                <a:spcPts val="0"/>
+              </a:spcBef>
+              <a:spcAft>
+                <a:spcPts val="1200"/>
+              </a:spcAft>
+            </a:pPr>
+            <a:r>
+              <a:rPr lang="fr-FR" b="1" dirty="0"/>
+              <a:t>url</a:t>
+            </a:r>
+            <a:r>
+              <a:rPr lang="fr-FR" dirty="0"/>
+              <a:t> : </a:t>
+            </a:r>
+            <a:r>
+              <a:rPr lang="fr-FR" dirty="0">
+                <a:hlinkClick r:id="rId2"/>
+              </a:rPr>
+              <a:t>https://www.data.gouv.fr/fr/datasets/demandes-de-valeurs-foncieres-geolocalisees/</a:t>
+            </a:r>
+            <a:endParaRPr lang="fr-FR" dirty="0"/>
+          </a:p>
+          <a:p>
+            <a:pPr>
+              <a:spcBef>
+                <a:spcPts val="0"/>
+              </a:spcBef>
+              <a:spcAft>
+                <a:spcPts val="1200"/>
+              </a:spcAft>
+            </a:pPr>
+            <a:endParaRPr lang="fr-FR" dirty="0"/>
+          </a:p>
+          <a:p>
+            <a:pPr>
+              <a:spcBef>
+                <a:spcPts val="0"/>
+              </a:spcBef>
+              <a:spcAft>
+                <a:spcPts val="1200"/>
+              </a:spcAft>
+            </a:pPr>
+            <a:r>
+              <a:rPr lang="fr-FR" dirty="0"/>
+              <a:t>Ces données sont constituées et alimentées par la </a:t>
+            </a:r>
+            <a:r>
+              <a:rPr lang="fr-FR" b="1" dirty="0"/>
+              <a:t>Direction générale des Finances publiques</a:t>
+            </a:r>
+          </a:p>
+          <a:p>
+            <a:pPr>
+              <a:spcBef>
+                <a:spcPts val="0"/>
+              </a:spcBef>
+              <a:spcAft>
+                <a:spcPts val="1200"/>
+              </a:spcAft>
+            </a:pPr>
+            <a:endParaRPr lang="fr-FR" b="1" dirty="0"/>
+          </a:p>
+          <a:p>
+            <a:pPr>
+              <a:spcBef>
+                <a:spcPts val="0"/>
+              </a:spcBef>
+              <a:spcAft>
+                <a:spcPts val="1200"/>
+              </a:spcAft>
+            </a:pPr>
+            <a:r>
+              <a:rPr lang="fr-FR" dirty="0"/>
+              <a:t>CSV contenant la totalité des ventes foncières, sur 2020 </a:t>
+            </a:r>
+            <a:endParaRPr lang="fr-FR" b="1" dirty="0"/>
+          </a:p>
+          <a:p>
+            <a:pPr marL="0" indent="0">
+              <a:buNone/>
+            </a:pPr>
+            <a:endParaRPr lang="fr-FR" dirty="0"/>
+          </a:p>
+        </p:txBody>
+      </p:sp>
+      <p:sp>
+        <p:nvSpPr>
+          <p:cNvPr id="4" name="Espace réservé du numéro de diapositive 3">
+            <a:extLst>
+              <a:ext uri="{FF2B5EF4-FFF2-40B4-BE49-F238E27FC236}">
+                <a16:creationId xmlns:a16="http://schemas.microsoft.com/office/drawing/2014/main" id="{FF9633AB-054F-4490-95C6-60422F260159}"/>
+              </a:ext>
+            </a:extLst>
+          </p:cNvPr>
+          <p:cNvSpPr>
+            <a:spLocks noGrp="1"/>
+          </p:cNvSpPr>
+          <p:nvPr>
+            <p:ph type="sldNum" sz="quarter" idx="12"/>
+          </p:nvPr>
+        </p:nvSpPr>
+        <p:spPr/>
+        <p:txBody>
+          <a:bodyPr/>
+          <a:lstStyle/>
+          <a:p>
+            <a:fld id="{D57F1E4F-1CFF-5643-939E-02111984F565}" type="slidenum">
+              <a:rPr lang="en-US" smtClean="0"/>
+              <a:t>2</a:t>
+            </a:fld>
+            <a:endParaRPr lang="en-US" dirty="0"/>
+          </a:p>
+        </p:txBody>
+      </p:sp>
+    </p:spTree>
+    <p:extLst>
+      <p:ext uri="{BB962C8B-B14F-4D97-AF65-F5344CB8AC3E}">
+        <p14:creationId xmlns:p14="http://schemas.microsoft.com/office/powerpoint/2010/main" val="3310217257"/>
+      </p:ext>
+    </p:extLst>
+  </p:cSld>
+  <p:clrMapOvr>
+    <a:masterClrMapping/>
+  </p:clrMapOvr>
+</p:sld>
+</file>
+
+<file path=ppt/slides/slide3.xml><?xml version="1.0" encoding="utf-8"?>
+<p:sld xmlns:a="http://schemas.openxmlformats.org/drawingml/2006/main" xmlns:r="http://schemas.openxmlformats.org/officeDocument/2006/relationships" xmlns:p="http://schemas.openxmlformats.org/presentationml/2006/main">
+  <p:cSld>
+    <p:spTree>
+      <p:nvGrpSpPr>
+        <p:cNvPr id="1" name=""/>
+        <p:cNvGrpSpPr/>
+        <p:nvPr/>
+      </p:nvGrpSpPr>
+      <p:grpSpPr>
+        <a:xfrm>
+          <a:off x="0" y="0"/>
+          <a:ext cx="0" cy="0"/>
+          <a:chOff x="0" y="0"/>
+          <a:chExt cx="0" cy="0"/>
+        </a:xfrm>
+      </p:grpSpPr>
+      <p:sp>
+        <p:nvSpPr>
+          <p:cNvPr id="2" name="Titre 1">
+            <a:extLst>
+              <a:ext uri="{FF2B5EF4-FFF2-40B4-BE49-F238E27FC236}">
+                <a16:creationId xmlns:a16="http://schemas.microsoft.com/office/drawing/2014/main" id="{F9B86145-1D65-4463-BA0E-977ABE86D922}"/>
+              </a:ext>
+            </a:extLst>
+          </p:cNvPr>
+          <p:cNvSpPr>
+            <a:spLocks noGrp="1"/>
+          </p:cNvSpPr>
+          <p:nvPr>
+            <p:ph type="title"/>
+          </p:nvPr>
+        </p:nvSpPr>
+        <p:spPr>
+          <a:xfrm>
+            <a:off x="809113" y="2293593"/>
+            <a:ext cx="10573773" cy="2270814"/>
+          </a:xfrm>
+        </p:spPr>
+        <p:txBody>
+          <a:bodyPr/>
+          <a:lstStyle/>
+          <a:p>
+            <a:pPr algn="ctr"/>
+            <a:r>
+              <a:rPr lang="fr-FR" sz="6600" b="1" dirty="0"/>
+              <a:t>Visualisation des données avec Power BI</a:t>
+            </a:r>
+          </a:p>
+        </p:txBody>
+      </p:sp>
+      <p:sp>
+        <p:nvSpPr>
+          <p:cNvPr id="4" name="Espace réservé du numéro de diapositive 3">
+            <a:extLst>
+              <a:ext uri="{FF2B5EF4-FFF2-40B4-BE49-F238E27FC236}">
+                <a16:creationId xmlns:a16="http://schemas.microsoft.com/office/drawing/2014/main" id="{A27F6B61-0B35-44D8-8F53-216805507D52}"/>
+              </a:ext>
+            </a:extLst>
+          </p:cNvPr>
+          <p:cNvSpPr>
+            <a:spLocks noGrp="1"/>
+          </p:cNvSpPr>
+          <p:nvPr>
+            <p:ph type="sldNum" sz="quarter" idx="12"/>
+          </p:nvPr>
+        </p:nvSpPr>
+        <p:spPr/>
+        <p:txBody>
+          <a:bodyPr/>
+          <a:lstStyle/>
+          <a:p>
+            <a:fld id="{D57F1E4F-1CFF-5643-939E-02111984F565}" type="slidenum">
+              <a:rPr lang="en-US" smtClean="0"/>
+              <a:t>3</a:t>
+            </a:fld>
+            <a:endParaRPr lang="en-US" dirty="0"/>
+          </a:p>
+        </p:txBody>
+      </p:sp>
+    </p:spTree>
+    <p:extLst>
+      <p:ext uri="{BB962C8B-B14F-4D97-AF65-F5344CB8AC3E}">
+        <p14:creationId xmlns:p14="http://schemas.microsoft.com/office/powerpoint/2010/main" val="3301424043"/>
+      </p:ext>
+    </p:extLst>
+  </p:cSld>
+  <p:clrMapOvr>
+    <a:masterClrMapping/>
+  </p:clrMapOvr>
+</p:sld>
+</file>
+
+<file path=ppt/slides/slide4.xml><?xml version="1.0" encoding="utf-8"?>
+<p:sld xmlns:a="http://schemas.openxmlformats.org/drawingml/2006/main" xmlns:r="http://schemas.openxmlformats.org/officeDocument/2006/relationships" xmlns:p="http://schemas.openxmlformats.org/presentationml/2006/main">
+  <p:cSld>
+    <p:spTree>
+      <p:nvGrpSpPr>
+        <p:cNvPr id="1" name=""/>
+        <p:cNvGrpSpPr/>
+        <p:nvPr/>
+      </p:nvGrpSpPr>
+      <p:grpSpPr>
+        <a:xfrm>
+          <a:off x="0" y="0"/>
+          <a:ext cx="0" cy="0"/>
+          <a:chOff x="0" y="0"/>
+          <a:chExt cx="0" cy="0"/>
+        </a:xfrm>
+      </p:grpSpPr>
+      <p:sp>
+        <p:nvSpPr>
+          <p:cNvPr id="2" name="Titre 1">
+            <a:extLst>
+              <a:ext uri="{FF2B5EF4-FFF2-40B4-BE49-F238E27FC236}">
                 <a16:creationId xmlns:a16="http://schemas.microsoft.com/office/drawing/2014/main" id="{B8186158-A826-4D50-8F2A-90C9ACA71311}"/>
               </a:ext>
             </a:extLst>
@@ -6646,7 +7450,27 @@
                 <a:effectLst/>
                 <a:latin typeface="Whitney"/>
               </a:rPr>
-              <a:t>Nombre de vente par </a:t>
+              <a:t>Nombre de vente par région</a:t>
+            </a:r>
+          </a:p>
+          <a:p>
+            <a:endParaRPr lang="fr-FR" sz="2400" dirty="0">
+              <a:solidFill>
+                <a:srgbClr val="DCDDDE"/>
+              </a:solidFill>
+              <a:latin typeface="Whitney"/>
+            </a:endParaRPr>
+          </a:p>
+          <a:p>
+            <a:r>
+              <a:rPr lang="fr-FR" sz="2400" b="0" i="0" dirty="0">
+                <a:solidFill>
+                  <a:srgbClr val="DCDDDE"/>
+                </a:solidFill>
+                <a:effectLst/>
+                <a:latin typeface="Whitney"/>
+              </a:rPr>
+              <a:t>Nombre d'enregistrement par type de local et de </a:t>
             </a:r>
             <a:r>
               <a:rPr lang="fr-FR" sz="2400" b="0" i="0" dirty="0" err="1">
@@ -6667,43 +7491,6 @@
             </a:endParaRPr>
           </a:p>
           <a:p>
-            <a:endParaRPr lang="fr-FR" sz="2400" dirty="0">
-              <a:solidFill>
-                <a:srgbClr val="DCDDDE"/>
-              </a:solidFill>
-              <a:latin typeface="Whitney"/>
-            </a:endParaRPr>
-          </a:p>
-          <a:p>
-            <a:r>
-              <a:rPr lang="fr-FR" sz="2400" b="0" i="0" dirty="0">
-                <a:solidFill>
-                  <a:srgbClr val="DCDDDE"/>
-                </a:solidFill>
-                <a:effectLst/>
-                <a:latin typeface="Whitney"/>
-              </a:rPr>
-              <a:t>Nombre d'enregistrement par type de local et de </a:t>
-            </a:r>
-            <a:r>
-              <a:rPr lang="fr-FR" sz="2400" b="0" i="0" dirty="0" err="1">
-                <a:solidFill>
-                  <a:srgbClr val="DCDDDE"/>
-                </a:solidFill>
-                <a:effectLst/>
-                <a:latin typeface="Whitney"/>
-              </a:rPr>
-              <a:t>region</a:t>
-            </a:r>
-            <a:endParaRPr lang="fr-FR" sz="2400" b="0" i="0" dirty="0">
-              <a:solidFill>
-                <a:srgbClr val="DCDDDE"/>
-              </a:solidFill>
-              <a:effectLst/>
-              <a:latin typeface="Whitney"/>
-            </a:endParaRPr>
-          </a:p>
-          <a:p>
             <a:endParaRPr lang="fr-FR" sz="2400" b="0" i="0" dirty="0">
               <a:solidFill>
                 <a:srgbClr val="DCDDDE"/>
@@ -6779,7 +7566,7 @@
           <a:p>
             <a:fld id="{D57F1E4F-1CFF-5643-939E-02111984F565}" type="slidenum">
               <a:rPr lang="en-US" smtClean="0"/>
-              <a:t>2</a:t>
+              <a:t>4</a:t>
             </a:fld>
             <a:endParaRPr lang="en-US" dirty="0"/>
           </a:p>
@@ -6798,7 +7585,7 @@
 </p:sld>
 </file>
 
-<file path=ppt/slides/slide3.xml><?xml version="1.0" encoding="utf-8"?>
+<file path=ppt/slides/slide5.xml><?xml version="1.0" encoding="utf-8"?>
 <p:sld xmlns:a="http://schemas.openxmlformats.org/drawingml/2006/main" xmlns:r="http://schemas.openxmlformats.org/officeDocument/2006/relationships" xmlns:p="http://schemas.openxmlformats.org/presentationml/2006/main">
   <p:cSld>
     <p:spTree>
@@ -7309,7 +8096,7 @@
           <a:p>
             <a:fld id="{D57F1E4F-1CFF-5643-939E-02111984F565}" type="slidenum">
               <a:rPr lang="en-US" smtClean="0"/>
-              <a:t>3</a:t>
+              <a:t>5</a:t>
             </a:fld>
             <a:endParaRPr lang="en-US" dirty="0"/>
           </a:p>
@@ -7328,12 +8115,20 @@
 </p:sld>
 </file>
 
-<file path=ppt/slides/slide4.xml><?xml version="1.0" encoding="utf-8"?>
-<p:sld xmlns:a="http://schemas.openxmlformats.org/drawingml/2006/main" xmlns:r="http://schemas.openxmlformats.org/officeDocument/2006/relationships" xmlns:p="http://schemas.openxmlformats.org/presentationml/2006/main">
+<file path=ppt/slides/slide6.xml><?xml version="1.0" encoding="utf-8"?>
+<p:sld xmlns:a="http://schemas.openxmlformats.org/drawingml/2006/main" xmlns:r="http://schemas.openxmlformats.org/officeDocument/2006/relationships" xmlns:p="http://schemas.openxmlformats.org/presentationml/2006/main" showMasterSp="0">
   <p:cSld>
+    <p:bg>
+      <p:bgPr>
+        <a:solidFill>
+          <a:schemeClr val="tx1"/>
+        </a:solidFill>
+        <a:effectLst/>
+      </p:bgPr>
+    </p:bg>
     <p:spTree>
       <p:nvGrpSpPr>
-        <p:cNvPr id="1" name=""/>
+        <p:cNvPr id="1" name="Shape 297"/>
         <p:cNvGrpSpPr/>
         <p:nvPr/>
       </p:nvGrpSpPr>
@@ -7347,71 +8142,1437 @@
       </p:grpSpPr>
       <p:sp>
         <p:nvSpPr>
-          <p:cNvPr id="2" name="Titre 1">
+          <p:cNvPr id="25" name="Rectangle 24">
             <a:extLst>
               <a:ext uri="{FF2B5EF4-FFF2-40B4-BE49-F238E27FC236}">
-                <a16:creationId xmlns:a16="http://schemas.microsoft.com/office/drawing/2014/main" id="{F9B86145-1D65-4463-BA0E-977ABE86D922}"/>
+                <a16:creationId xmlns:a16="http://schemas.microsoft.com/office/drawing/2014/main" id="{330C6FCA-ED05-4BA6-8582-3E478A87F82C}"/>
               </a:ext>
             </a:extLst>
           </p:cNvPr>
-          <p:cNvSpPr>
-            <a:spLocks noGrp="1"/>
-          </p:cNvSpPr>
-          <p:nvPr>
-            <p:ph type="title"/>
-          </p:nvPr>
-        </p:nvSpPr>
-        <p:spPr>
-          <a:xfrm>
-            <a:off x="809113" y="2293593"/>
-            <a:ext cx="10573773" cy="2270814"/>
-          </a:xfrm>
-        </p:spPr>
-        <p:txBody>
-          <a:bodyPr/>
+          <p:cNvSpPr/>
+          <p:nvPr/>
+        </p:nvSpPr>
+        <p:spPr>
+          <a:xfrm>
+            <a:off x="227755" y="701032"/>
+            <a:ext cx="5151908" cy="4705339"/>
+          </a:xfrm>
+          <a:prstGeom prst="rect">
+            <a:avLst/>
+          </a:prstGeom>
+          <a:solidFill>
+            <a:schemeClr val="bg1"/>
+          </a:solidFill>
+        </p:spPr>
+        <p:style>
+          <a:lnRef idx="2">
+            <a:schemeClr val="accent1">
+              <a:shade val="50000"/>
+            </a:schemeClr>
+          </a:lnRef>
+          <a:fillRef idx="1">
+            <a:schemeClr val="accent1"/>
+          </a:fillRef>
+          <a:effectRef idx="0">
+            <a:schemeClr val="accent1"/>
+          </a:effectRef>
+          <a:fontRef idx="minor">
+            <a:schemeClr val="lt1"/>
+          </a:fontRef>
+        </p:style>
+        <p:txBody>
+          <a:bodyPr rtlCol="0" anchor="ctr"/>
           <a:lstStyle/>
           <a:p>
             <a:pPr algn="ctr"/>
-            <a:r>
-              <a:rPr lang="fr-FR" sz="6600" b="1" dirty="0"/>
-              <a:t>Visualisation des données avec Power BI</a:t>
-            </a:r>
-          </a:p>
-        </p:txBody>
-      </p:sp>
-      <p:sp>
-        <p:nvSpPr>
-          <p:cNvPr id="4" name="Espace réservé du numéro de diapositive 3">
+            <a:endParaRPr lang="fr-FR" sz="2400" dirty="0"/>
+          </a:p>
+        </p:txBody>
+      </p:sp>
+      <p:pic>
+        <p:nvPicPr>
+          <p:cNvPr id="9" name="Image 8">
             <a:extLst>
               <a:ext uri="{FF2B5EF4-FFF2-40B4-BE49-F238E27FC236}">
-                <a16:creationId xmlns:a16="http://schemas.microsoft.com/office/drawing/2014/main" id="{A27F6B61-0B35-44D8-8F53-216805507D52}"/>
+                <a16:creationId xmlns:a16="http://schemas.microsoft.com/office/drawing/2014/main" id="{7DC831F0-A6B0-4184-ADDB-61A7CA32CC7E}"/>
               </a:ext>
             </a:extLst>
           </p:cNvPr>
-          <p:cNvSpPr>
-            <a:spLocks noGrp="1"/>
-          </p:cNvSpPr>
-          <p:nvPr>
-            <p:ph type="sldNum" sz="quarter" idx="12"/>
-          </p:nvPr>
-        </p:nvSpPr>
-        <p:spPr/>
-        <p:txBody>
-          <a:bodyPr/>
+          <p:cNvPicPr>
+            <a:picLocks noChangeAspect="1"/>
+          </p:cNvPicPr>
+          <p:nvPr/>
+        </p:nvPicPr>
+        <p:blipFill>
+          <a:blip r:embed="rId3"/>
+          <a:stretch>
+            <a:fillRect/>
+          </a:stretch>
+        </p:blipFill>
+        <p:spPr>
+          <a:xfrm>
+            <a:off x="290735" y="1135490"/>
+            <a:ext cx="5064936" cy="4045239"/>
+          </a:xfrm>
+          <a:prstGeom prst="rect">
+            <a:avLst/>
+          </a:prstGeom>
+        </p:spPr>
+      </p:pic>
+      <p:sp>
+        <p:nvSpPr>
+          <p:cNvPr id="37" name="Rectangle 36">
+            <a:extLst>
+              <a:ext uri="{FF2B5EF4-FFF2-40B4-BE49-F238E27FC236}">
+                <a16:creationId xmlns:a16="http://schemas.microsoft.com/office/drawing/2014/main" id="{16DAF07C-0F4F-4E19-AE4C-B9DE1C293D01}"/>
+              </a:ext>
+            </a:extLst>
+          </p:cNvPr>
+          <p:cNvSpPr/>
+          <p:nvPr/>
+        </p:nvSpPr>
+        <p:spPr>
+          <a:xfrm>
+            <a:off x="0" y="13491"/>
+            <a:ext cx="12192000" cy="557083"/>
+          </a:xfrm>
+          <a:prstGeom prst="rect">
+            <a:avLst/>
+          </a:prstGeom>
+          <a:solidFill>
+            <a:schemeClr val="bg2"/>
+          </a:solidFill>
+          <a:ln>
+            <a:solidFill>
+              <a:schemeClr val="accent6">
+                <a:lumMod val="75000"/>
+              </a:schemeClr>
+            </a:solidFill>
+          </a:ln>
+        </p:spPr>
+        <p:style>
+          <a:lnRef idx="2">
+            <a:schemeClr val="accent1">
+              <a:shade val="50000"/>
+            </a:schemeClr>
+          </a:lnRef>
+          <a:fillRef idx="1">
+            <a:schemeClr val="accent1"/>
+          </a:fillRef>
+          <a:effectRef idx="0">
+            <a:schemeClr val="accent1"/>
+          </a:effectRef>
+          <a:fontRef idx="minor">
+            <a:schemeClr val="lt1"/>
+          </a:fontRef>
+        </p:style>
+        <p:txBody>
+          <a:bodyPr rtlCol="0" anchor="ctr"/>
           <a:lstStyle/>
           <a:p>
-            <a:fld id="{D57F1E4F-1CFF-5643-939E-02111984F565}" type="slidenum">
-              <a:rPr lang="en-US" smtClean="0"/>
-              <a:t>4</a:t>
-            </a:fld>
-            <a:endParaRPr lang="en-US" dirty="0"/>
+            <a:pPr algn="ctr"/>
+            <a:endParaRPr lang="fr-FR" sz="2400"/>
+          </a:p>
+        </p:txBody>
+      </p:sp>
+      <p:sp>
+        <p:nvSpPr>
+          <p:cNvPr id="43" name="Rectangle 42">
+            <a:extLst>
+              <a:ext uri="{FF2B5EF4-FFF2-40B4-BE49-F238E27FC236}">
+                <a16:creationId xmlns:a16="http://schemas.microsoft.com/office/drawing/2014/main" id="{00EF8318-A960-4AB4-BB59-8DDE77EF8F36}"/>
+              </a:ext>
+            </a:extLst>
+          </p:cNvPr>
+          <p:cNvSpPr/>
+          <p:nvPr/>
+        </p:nvSpPr>
+        <p:spPr>
+          <a:xfrm>
+            <a:off x="7469260" y="701033"/>
+            <a:ext cx="4400640" cy="2767220"/>
+          </a:xfrm>
+          <a:prstGeom prst="rect">
+            <a:avLst/>
+          </a:prstGeom>
+          <a:solidFill>
+            <a:schemeClr val="bg1"/>
+          </a:solidFill>
+        </p:spPr>
+        <p:style>
+          <a:lnRef idx="2">
+            <a:schemeClr val="accent1">
+              <a:shade val="50000"/>
+            </a:schemeClr>
+          </a:lnRef>
+          <a:fillRef idx="1">
+            <a:schemeClr val="accent1"/>
+          </a:fillRef>
+          <a:effectRef idx="0">
+            <a:schemeClr val="accent1"/>
+          </a:effectRef>
+          <a:fontRef idx="minor">
+            <a:schemeClr val="lt1"/>
+          </a:fontRef>
+        </p:style>
+        <p:txBody>
+          <a:bodyPr rtlCol="0" anchor="ctr"/>
+          <a:lstStyle/>
+          <a:p>
+            <a:pPr algn="ctr"/>
+            <a:endParaRPr lang="fr-FR" sz="2400"/>
+          </a:p>
+        </p:txBody>
+      </p:sp>
+      <p:pic>
+        <p:nvPicPr>
+          <p:cNvPr id="6" name="Image 5">
+            <a:extLst>
+              <a:ext uri="{FF2B5EF4-FFF2-40B4-BE49-F238E27FC236}">
+                <a16:creationId xmlns:a16="http://schemas.microsoft.com/office/drawing/2014/main" id="{380B2C52-01C3-4E97-B077-97D2955B2564}"/>
+              </a:ext>
+            </a:extLst>
+          </p:cNvPr>
+          <p:cNvPicPr>
+            <a:picLocks noChangeAspect="1"/>
+          </p:cNvPicPr>
+          <p:nvPr/>
+        </p:nvPicPr>
+        <p:blipFill>
+          <a:blip r:embed="rId4"/>
+          <a:stretch>
+            <a:fillRect/>
+          </a:stretch>
+        </p:blipFill>
+        <p:spPr>
+          <a:xfrm>
+            <a:off x="7573514" y="908189"/>
+            <a:ext cx="4192132" cy="2520812"/>
+          </a:xfrm>
+          <a:prstGeom prst="rect">
+            <a:avLst/>
+          </a:prstGeom>
+        </p:spPr>
+      </p:pic>
+      <p:sp>
+        <p:nvSpPr>
+          <p:cNvPr id="35" name="Rectangle 34">
+            <a:extLst>
+              <a:ext uri="{FF2B5EF4-FFF2-40B4-BE49-F238E27FC236}">
+                <a16:creationId xmlns:a16="http://schemas.microsoft.com/office/drawing/2014/main" id="{195BC881-91D6-4176-A584-1A09F8369093}"/>
+              </a:ext>
+            </a:extLst>
+          </p:cNvPr>
+          <p:cNvSpPr/>
+          <p:nvPr/>
+        </p:nvSpPr>
+        <p:spPr>
+          <a:xfrm>
+            <a:off x="5454922" y="2099311"/>
+            <a:ext cx="1942521" cy="1360879"/>
+          </a:xfrm>
+          <a:prstGeom prst="rect">
+            <a:avLst/>
+          </a:prstGeom>
+          <a:solidFill>
+            <a:schemeClr val="bg1"/>
+          </a:solidFill>
+        </p:spPr>
+        <p:style>
+          <a:lnRef idx="2">
+            <a:schemeClr val="accent1">
+              <a:shade val="50000"/>
+            </a:schemeClr>
+          </a:lnRef>
+          <a:fillRef idx="1">
+            <a:schemeClr val="accent1"/>
+          </a:fillRef>
+          <a:effectRef idx="0">
+            <a:schemeClr val="accent1"/>
+          </a:effectRef>
+          <a:fontRef idx="minor">
+            <a:schemeClr val="lt1"/>
+          </a:fontRef>
+        </p:style>
+        <p:txBody>
+          <a:bodyPr rtlCol="0" anchor="ctr"/>
+          <a:lstStyle/>
+          <a:p>
+            <a:pPr algn="ctr"/>
+            <a:endParaRPr lang="fr-FR" sz="2400"/>
+          </a:p>
+        </p:txBody>
+      </p:sp>
+      <p:sp>
+        <p:nvSpPr>
+          <p:cNvPr id="33" name="Rectangle 32">
+            <a:extLst>
+              <a:ext uri="{FF2B5EF4-FFF2-40B4-BE49-F238E27FC236}">
+                <a16:creationId xmlns:a16="http://schemas.microsoft.com/office/drawing/2014/main" id="{06FFED65-1A4A-47A9-BE37-D081C11884A0}"/>
+              </a:ext>
+            </a:extLst>
+          </p:cNvPr>
+          <p:cNvSpPr/>
+          <p:nvPr/>
+        </p:nvSpPr>
+        <p:spPr>
+          <a:xfrm>
+            <a:off x="5451185" y="701032"/>
+            <a:ext cx="1942521" cy="1342043"/>
+          </a:xfrm>
+          <a:prstGeom prst="rect">
+            <a:avLst/>
+          </a:prstGeom>
+          <a:solidFill>
+            <a:schemeClr val="bg1"/>
+          </a:solidFill>
+        </p:spPr>
+        <p:style>
+          <a:lnRef idx="2">
+            <a:schemeClr val="accent1">
+              <a:shade val="50000"/>
+            </a:schemeClr>
+          </a:lnRef>
+          <a:fillRef idx="1">
+            <a:schemeClr val="accent1"/>
+          </a:fillRef>
+          <a:effectRef idx="0">
+            <a:schemeClr val="accent1"/>
+          </a:effectRef>
+          <a:fontRef idx="minor">
+            <a:schemeClr val="lt1"/>
+          </a:fontRef>
+        </p:style>
+        <p:txBody>
+          <a:bodyPr rtlCol="0" anchor="ctr"/>
+          <a:lstStyle/>
+          <a:p>
+            <a:pPr algn="ctr"/>
+            <a:endParaRPr lang="fr-FR" sz="2400"/>
+          </a:p>
+        </p:txBody>
+      </p:sp>
+      <p:sp>
+        <p:nvSpPr>
+          <p:cNvPr id="45" name="Rectangle 44">
+            <a:extLst>
+              <a:ext uri="{FF2B5EF4-FFF2-40B4-BE49-F238E27FC236}">
+                <a16:creationId xmlns:a16="http://schemas.microsoft.com/office/drawing/2014/main" id="{D5AC542F-91A0-475D-BEED-AB744C92927A}"/>
+              </a:ext>
+            </a:extLst>
+          </p:cNvPr>
+          <p:cNvSpPr/>
+          <p:nvPr/>
+        </p:nvSpPr>
+        <p:spPr>
+          <a:xfrm>
+            <a:off x="5471428" y="3524489"/>
+            <a:ext cx="6398473" cy="3234652"/>
+          </a:xfrm>
+          <a:prstGeom prst="rect">
+            <a:avLst/>
+          </a:prstGeom>
+          <a:solidFill>
+            <a:schemeClr val="bg1"/>
+          </a:solidFill>
+        </p:spPr>
+        <p:style>
+          <a:lnRef idx="2">
+            <a:schemeClr val="accent1">
+              <a:shade val="50000"/>
+            </a:schemeClr>
+          </a:lnRef>
+          <a:fillRef idx="1">
+            <a:schemeClr val="accent1"/>
+          </a:fillRef>
+          <a:effectRef idx="0">
+            <a:schemeClr val="accent1"/>
+          </a:effectRef>
+          <a:fontRef idx="minor">
+            <a:schemeClr val="lt1"/>
+          </a:fontRef>
+        </p:style>
+        <p:txBody>
+          <a:bodyPr rtlCol="0" anchor="ctr"/>
+          <a:lstStyle/>
+          <a:p>
+            <a:pPr algn="ctr"/>
+            <a:endParaRPr lang="fr-FR" sz="2400" dirty="0"/>
+          </a:p>
+        </p:txBody>
+      </p:sp>
+      <p:sp>
+        <p:nvSpPr>
+          <p:cNvPr id="16" name="Rectangle 15">
+            <a:extLst>
+              <a:ext uri="{FF2B5EF4-FFF2-40B4-BE49-F238E27FC236}">
+                <a16:creationId xmlns:a16="http://schemas.microsoft.com/office/drawing/2014/main" id="{63867FB2-E0ED-4F46-965E-A4918F4413D2}"/>
+              </a:ext>
+            </a:extLst>
+          </p:cNvPr>
+          <p:cNvSpPr/>
+          <p:nvPr/>
+        </p:nvSpPr>
+        <p:spPr>
+          <a:xfrm>
+            <a:off x="2813193" y="5486342"/>
+            <a:ext cx="2568929" cy="1247687"/>
+          </a:xfrm>
+          <a:prstGeom prst="rect">
+            <a:avLst/>
+          </a:prstGeom>
+          <a:solidFill>
+            <a:schemeClr val="bg1"/>
+          </a:solidFill>
+        </p:spPr>
+        <p:style>
+          <a:lnRef idx="2">
+            <a:schemeClr val="accent1">
+              <a:shade val="50000"/>
+            </a:schemeClr>
+          </a:lnRef>
+          <a:fillRef idx="1">
+            <a:schemeClr val="accent1"/>
+          </a:fillRef>
+          <a:effectRef idx="0">
+            <a:schemeClr val="accent1"/>
+          </a:effectRef>
+          <a:fontRef idx="minor">
+            <a:schemeClr val="lt1"/>
+          </a:fontRef>
+        </p:style>
+        <p:txBody>
+          <a:bodyPr rtlCol="0" anchor="ctr"/>
+          <a:lstStyle/>
+          <a:p>
+            <a:pPr algn="ctr"/>
+            <a:endParaRPr lang="fr-FR" sz="2400" dirty="0"/>
+          </a:p>
+        </p:txBody>
+      </p:sp>
+      <p:sp>
+        <p:nvSpPr>
+          <p:cNvPr id="298" name="Google Shape;298;p35"/>
+          <p:cNvSpPr txBox="1">
+            <a:spLocks noGrp="1"/>
+          </p:cNvSpPr>
+          <p:nvPr>
+            <p:ph type="title"/>
+          </p:nvPr>
+        </p:nvSpPr>
+        <p:spPr>
+          <a:xfrm>
+            <a:off x="765111" y="-82251"/>
+            <a:ext cx="9780476" cy="763600"/>
+          </a:xfrm>
+          <a:prstGeom prst="rect">
+            <a:avLst/>
+          </a:prstGeom>
+        </p:spPr>
+        <p:txBody>
+          <a:bodyPr spcFirstLastPara="1" vert="horz" wrap="square" lIns="121900" tIns="121900" rIns="121900" bIns="121900" rtlCol="0" anchor="t" anchorCtr="0">
+            <a:noAutofit/>
+          </a:bodyPr>
+          <a:lstStyle/>
+          <a:p>
+            <a:r>
+              <a:rPr lang="en" sz="3200" dirty="0">
+                <a:solidFill>
+                  <a:schemeClr val="bg1"/>
+                </a:solidFill>
+              </a:rPr>
+              <a:t>Ventes d’appartements et maisons– 2019/2020</a:t>
+            </a:r>
+            <a:endParaRPr sz="3200" dirty="0">
+              <a:solidFill>
+                <a:schemeClr val="bg1"/>
+              </a:solidFill>
+            </a:endParaRPr>
+          </a:p>
+        </p:txBody>
+      </p:sp>
+      <p:pic>
+        <p:nvPicPr>
+          <p:cNvPr id="4" name="Picture 2" descr="L&amp;#39;école ESGI - Ecole Supérieure de Génie Informatique propose des formations">
+            <a:extLst>
+              <a:ext uri="{FF2B5EF4-FFF2-40B4-BE49-F238E27FC236}">
+                <a16:creationId xmlns:a16="http://schemas.microsoft.com/office/drawing/2014/main" id="{0596B984-F453-46C4-9EC5-F43B7933D4D7}"/>
+              </a:ext>
+            </a:extLst>
+          </p:cNvPr>
+          <p:cNvPicPr>
+            <a:picLocks noChangeAspect="1" noChangeArrowheads="1"/>
+          </p:cNvPicPr>
+          <p:nvPr/>
+        </p:nvPicPr>
+        <p:blipFill>
+          <a:blip r:embed="rId5">
+            <a:extLst>
+              <a:ext uri="{28A0092B-C50C-407E-A947-70E740481C1C}">
+                <a14:useLocalDpi xmlns:a14="http://schemas.microsoft.com/office/drawing/2010/main" val="0"/>
+              </a:ext>
+            </a:extLst>
+          </a:blip>
+          <a:srcRect/>
+          <a:stretch>
+            <a:fillRect/>
+          </a:stretch>
+        </p:blipFill>
+        <p:spPr bwMode="auto">
+          <a:xfrm>
+            <a:off x="11525227" y="51614"/>
+            <a:ext cx="480836" cy="480836"/>
+          </a:xfrm>
+          <a:prstGeom prst="rect">
+            <a:avLst/>
+          </a:prstGeom>
+          <a:noFill/>
+          <a:extLst>
+            <a:ext uri="{909E8E84-426E-40DD-AFC4-6F175D3DCCD1}">
+              <a14:hiddenFill xmlns:a14="http://schemas.microsoft.com/office/drawing/2010/main">
+                <a:solidFill>
+                  <a:srgbClr val="FFFFFF"/>
+                </a:solidFill>
+              </a14:hiddenFill>
+            </a:ext>
+          </a:extLst>
+        </p:spPr>
+      </p:pic>
+      <p:sp>
+        <p:nvSpPr>
+          <p:cNvPr id="12" name="ZoneTexte 11">
+            <a:extLst>
+              <a:ext uri="{FF2B5EF4-FFF2-40B4-BE49-F238E27FC236}">
+                <a16:creationId xmlns:a16="http://schemas.microsoft.com/office/drawing/2014/main" id="{4A9D4239-5C2C-41EB-81CF-8CB7B85010FC}"/>
+              </a:ext>
+            </a:extLst>
+          </p:cNvPr>
+          <p:cNvSpPr txBox="1"/>
+          <p:nvPr/>
+        </p:nvSpPr>
+        <p:spPr>
+          <a:xfrm>
+            <a:off x="5400941" y="775680"/>
+            <a:ext cx="2064169" cy="1077026"/>
+          </a:xfrm>
+          <a:prstGeom prst="rect">
+            <a:avLst/>
+          </a:prstGeom>
+          <a:noFill/>
+        </p:spPr>
+        <p:txBody>
+          <a:bodyPr wrap="square">
+            <a:spAutoFit/>
+          </a:bodyPr>
+          <a:lstStyle/>
+          <a:p>
+            <a:pPr algn="ctr"/>
+            <a:r>
+              <a:rPr lang="fr-FR" sz="2400" b="1" dirty="0">
+                <a:solidFill>
+                  <a:srgbClr val="FF0000"/>
+                </a:solidFill>
+              </a:rPr>
+              <a:t>-28% </a:t>
+            </a:r>
+            <a:r>
+              <a:rPr lang="fr-FR" sz="2400" dirty="0"/>
+              <a:t> </a:t>
+            </a:r>
+          </a:p>
+          <a:p>
+            <a:pPr algn="ctr"/>
+            <a:r>
+              <a:rPr lang="fr-FR" sz="1333" b="1" dirty="0"/>
+              <a:t>de ventes (1 281 832 ventes en 2019 contre 923 067 en 2020)</a:t>
+            </a:r>
+            <a:r>
+              <a:rPr lang="fr-FR" sz="1333" b="1" dirty="0">
+                <a:solidFill>
+                  <a:srgbClr val="FF0000"/>
+                </a:solidFill>
+              </a:rPr>
+              <a:t> </a:t>
+            </a:r>
+          </a:p>
+        </p:txBody>
+      </p:sp>
+      <p:pic>
+        <p:nvPicPr>
+          <p:cNvPr id="15" name="Graphique 14" descr="Avertissement avec un remplissage uni">
+            <a:extLst>
+              <a:ext uri="{FF2B5EF4-FFF2-40B4-BE49-F238E27FC236}">
+                <a16:creationId xmlns:a16="http://schemas.microsoft.com/office/drawing/2014/main" id="{C7FCE0C0-9D6E-4C2B-8653-6329F2EB9BD6}"/>
+              </a:ext>
+            </a:extLst>
+          </p:cNvPr>
+          <p:cNvPicPr>
+            <a:picLocks noChangeAspect="1"/>
+          </p:cNvPicPr>
+          <p:nvPr/>
+        </p:nvPicPr>
+        <p:blipFill>
+          <a:blip r:embed="rId6">
+            <a:extLst>
+              <a:ext uri="{96DAC541-7B7A-43D3-8B79-37D633B846F1}">
+                <asvg:svgBlip xmlns:asvg="http://schemas.microsoft.com/office/drawing/2016/SVG/main" r:embed="rId7"/>
+              </a:ext>
+            </a:extLst>
+          </a:blip>
+          <a:stretch>
+            <a:fillRect/>
+          </a:stretch>
+        </p:blipFill>
+        <p:spPr>
+          <a:xfrm>
+            <a:off x="1557557" y="3516426"/>
+            <a:ext cx="400665" cy="400665"/>
+          </a:xfrm>
+          <a:prstGeom prst="rect">
+            <a:avLst/>
+          </a:prstGeom>
+        </p:spPr>
+      </p:pic>
+      <p:pic>
+        <p:nvPicPr>
+          <p:cNvPr id="24" name="Graphique 23" descr="Avertissement avec un remplissage uni">
+            <a:extLst>
+              <a:ext uri="{FF2B5EF4-FFF2-40B4-BE49-F238E27FC236}">
+                <a16:creationId xmlns:a16="http://schemas.microsoft.com/office/drawing/2014/main" id="{5D230FD7-EA20-4EC2-8DF9-D80429C2CAB0}"/>
+              </a:ext>
+            </a:extLst>
+          </p:cNvPr>
+          <p:cNvPicPr>
+            <a:picLocks noChangeAspect="1"/>
+          </p:cNvPicPr>
+          <p:nvPr/>
+        </p:nvPicPr>
+        <p:blipFill>
+          <a:blip r:embed="rId6">
+            <a:extLst>
+              <a:ext uri="{96DAC541-7B7A-43D3-8B79-37D633B846F1}">
+                <asvg:svgBlip xmlns:asvg="http://schemas.microsoft.com/office/drawing/2016/SVG/main" r:embed="rId7"/>
+              </a:ext>
+            </a:extLst>
+          </a:blip>
+          <a:stretch>
+            <a:fillRect/>
+          </a:stretch>
+        </p:blipFill>
+        <p:spPr>
+          <a:xfrm>
+            <a:off x="3847488" y="3145773"/>
+            <a:ext cx="400665" cy="400665"/>
+          </a:xfrm>
+          <a:prstGeom prst="rect">
+            <a:avLst/>
+          </a:prstGeom>
+        </p:spPr>
+      </p:pic>
+      <p:pic>
+        <p:nvPicPr>
+          <p:cNvPr id="23" name="Image 22">
+            <a:extLst>
+              <a:ext uri="{FF2B5EF4-FFF2-40B4-BE49-F238E27FC236}">
+                <a16:creationId xmlns:a16="http://schemas.microsoft.com/office/drawing/2014/main" id="{DB893662-E0B3-49A6-A37D-658FA561500F}"/>
+              </a:ext>
+            </a:extLst>
+          </p:cNvPr>
+          <p:cNvPicPr>
+            <a:picLocks noChangeAspect="1"/>
+          </p:cNvPicPr>
+          <p:nvPr/>
+        </p:nvPicPr>
+        <p:blipFill>
+          <a:blip r:embed="rId8"/>
+          <a:stretch>
+            <a:fillRect/>
+          </a:stretch>
+        </p:blipFill>
+        <p:spPr>
+          <a:xfrm>
+            <a:off x="4482924" y="4388634"/>
+            <a:ext cx="787400" cy="546100"/>
+          </a:xfrm>
+          <a:prstGeom prst="rect">
+            <a:avLst/>
+          </a:prstGeom>
+        </p:spPr>
+      </p:pic>
+      <p:sp>
+        <p:nvSpPr>
+          <p:cNvPr id="31" name="ZoneTexte 30">
+            <a:extLst>
+              <a:ext uri="{FF2B5EF4-FFF2-40B4-BE49-F238E27FC236}">
+                <a16:creationId xmlns:a16="http://schemas.microsoft.com/office/drawing/2014/main" id="{C7BC8E39-07A0-42FD-993F-33F13BBE8C83}"/>
+              </a:ext>
+            </a:extLst>
+          </p:cNvPr>
+          <p:cNvSpPr txBox="1"/>
+          <p:nvPr/>
+        </p:nvSpPr>
+        <p:spPr>
+          <a:xfrm>
+            <a:off x="5411179" y="2179129"/>
+            <a:ext cx="2043711" cy="1425711"/>
+          </a:xfrm>
+          <a:prstGeom prst="rect">
+            <a:avLst/>
+          </a:prstGeom>
+          <a:noFill/>
+        </p:spPr>
+        <p:txBody>
+          <a:bodyPr wrap="square" rtlCol="0">
+            <a:spAutoFit/>
+          </a:bodyPr>
+          <a:lstStyle/>
+          <a:p>
+            <a:pPr algn="ctr"/>
+            <a:r>
+              <a:rPr lang="fr-FR" sz="1333" b="1" dirty="0"/>
+              <a:t>Prix moyen des biens fonciers en 2020</a:t>
+            </a:r>
+          </a:p>
+          <a:p>
+            <a:pPr algn="ctr"/>
+            <a:r>
+              <a:rPr lang="fr-FR" sz="1333" b="1" dirty="0"/>
+              <a:t>De </a:t>
+            </a:r>
+            <a:r>
+              <a:rPr lang="fr-FR" sz="1333" b="1" dirty="0">
+                <a:solidFill>
+                  <a:srgbClr val="00B050"/>
+                </a:solidFill>
+              </a:rPr>
+              <a:t>212 000</a:t>
+            </a:r>
+            <a:r>
+              <a:rPr lang="fr-FR" sz="1333" b="1" dirty="0"/>
+              <a:t> à </a:t>
+            </a:r>
+            <a:r>
+              <a:rPr lang="fr-FR" sz="1333" b="1" dirty="0">
+                <a:solidFill>
+                  <a:srgbClr val="FF0000"/>
+                </a:solidFill>
+              </a:rPr>
+              <a:t>230 000 </a:t>
+            </a:r>
+            <a:r>
+              <a:rPr lang="fr-FR" sz="1333" b="1" dirty="0"/>
+              <a:t>€</a:t>
+            </a:r>
+          </a:p>
+          <a:p>
+            <a:pPr algn="ctr"/>
+            <a:r>
+              <a:rPr lang="fr-FR" sz="2400" b="1" dirty="0">
+                <a:solidFill>
+                  <a:srgbClr val="FF9B21"/>
+                </a:solidFill>
+              </a:rPr>
+              <a:t>+5% </a:t>
+            </a:r>
+          </a:p>
+          <a:p>
+            <a:pPr algn="ctr"/>
+            <a:endParaRPr lang="fr-FR" sz="933" b="1" dirty="0"/>
+          </a:p>
+        </p:txBody>
+      </p:sp>
+      <p:sp>
+        <p:nvSpPr>
+          <p:cNvPr id="3" name="ZoneTexte 2">
+            <a:extLst>
+              <a:ext uri="{FF2B5EF4-FFF2-40B4-BE49-F238E27FC236}">
+                <a16:creationId xmlns:a16="http://schemas.microsoft.com/office/drawing/2014/main" id="{8458E67A-DC33-4DA1-963E-EB80332ACD92}"/>
+              </a:ext>
+            </a:extLst>
+          </p:cNvPr>
+          <p:cNvSpPr txBox="1"/>
+          <p:nvPr/>
+        </p:nvSpPr>
+        <p:spPr>
+          <a:xfrm>
+            <a:off x="1220831" y="732899"/>
+            <a:ext cx="3582981" cy="338554"/>
+          </a:xfrm>
+          <a:prstGeom prst="rect">
+            <a:avLst/>
+          </a:prstGeom>
+          <a:solidFill>
+            <a:schemeClr val="bg1"/>
+          </a:solidFill>
+        </p:spPr>
+        <p:txBody>
+          <a:bodyPr wrap="square" rtlCol="0">
+            <a:spAutoFit/>
+          </a:bodyPr>
+          <a:lstStyle/>
+          <a:p>
+            <a:r>
+              <a:rPr lang="fr-FR" sz="1600" b="1" dirty="0"/>
+              <a:t>Chute du nombre de ventes 2020</a:t>
+            </a:r>
+          </a:p>
+        </p:txBody>
+      </p:sp>
+      <p:sp>
+        <p:nvSpPr>
+          <p:cNvPr id="27" name="ZoneTexte 26">
+            <a:extLst>
+              <a:ext uri="{FF2B5EF4-FFF2-40B4-BE49-F238E27FC236}">
+                <a16:creationId xmlns:a16="http://schemas.microsoft.com/office/drawing/2014/main" id="{7507DA88-5753-4B6F-A739-CDF9AA98B182}"/>
+              </a:ext>
+            </a:extLst>
+          </p:cNvPr>
+          <p:cNvSpPr txBox="1"/>
+          <p:nvPr/>
+        </p:nvSpPr>
+        <p:spPr>
+          <a:xfrm>
+            <a:off x="1082926" y="1156341"/>
+            <a:ext cx="1612105" cy="318100"/>
+          </a:xfrm>
+          <a:prstGeom prst="rect">
+            <a:avLst/>
+          </a:prstGeom>
+          <a:solidFill>
+            <a:schemeClr val="bg1"/>
+          </a:solidFill>
+        </p:spPr>
+        <p:txBody>
+          <a:bodyPr wrap="square" rtlCol="0">
+            <a:spAutoFit/>
+          </a:bodyPr>
+          <a:lstStyle/>
+          <a:p>
+            <a:r>
+              <a:rPr lang="fr-FR" sz="1467" dirty="0"/>
+              <a:t>Appartement</a:t>
+            </a:r>
+          </a:p>
+        </p:txBody>
+      </p:sp>
+      <p:sp>
+        <p:nvSpPr>
+          <p:cNvPr id="29" name="ZoneTexte 28">
+            <a:extLst>
+              <a:ext uri="{FF2B5EF4-FFF2-40B4-BE49-F238E27FC236}">
+                <a16:creationId xmlns:a16="http://schemas.microsoft.com/office/drawing/2014/main" id="{BF59BAF1-4E51-42EA-9ECD-8B3BFE83C02A}"/>
+              </a:ext>
+            </a:extLst>
+          </p:cNvPr>
+          <p:cNvSpPr txBox="1"/>
+          <p:nvPr/>
+        </p:nvSpPr>
+        <p:spPr>
+          <a:xfrm>
+            <a:off x="3679395" y="1162670"/>
+            <a:ext cx="866784" cy="318100"/>
+          </a:xfrm>
+          <a:prstGeom prst="rect">
+            <a:avLst/>
+          </a:prstGeom>
+          <a:solidFill>
+            <a:schemeClr val="bg1"/>
+          </a:solidFill>
+        </p:spPr>
+        <p:txBody>
+          <a:bodyPr wrap="square" rtlCol="0">
+            <a:spAutoFit/>
+          </a:bodyPr>
+          <a:lstStyle/>
+          <a:p>
+            <a:r>
+              <a:rPr lang="fr-FR" sz="1467" dirty="0"/>
+              <a:t>Maison</a:t>
+            </a:r>
+          </a:p>
+        </p:txBody>
+      </p:sp>
+      <p:sp>
+        <p:nvSpPr>
+          <p:cNvPr id="32" name="ZoneTexte 31">
+            <a:extLst>
+              <a:ext uri="{FF2B5EF4-FFF2-40B4-BE49-F238E27FC236}">
+                <a16:creationId xmlns:a16="http://schemas.microsoft.com/office/drawing/2014/main" id="{33D04E30-83E9-4237-B5C8-AFD23D7273F7}"/>
+              </a:ext>
+            </a:extLst>
+          </p:cNvPr>
+          <p:cNvSpPr txBox="1"/>
+          <p:nvPr/>
+        </p:nvSpPr>
+        <p:spPr>
+          <a:xfrm>
+            <a:off x="8015695" y="753683"/>
+            <a:ext cx="3754604" cy="307777"/>
+          </a:xfrm>
+          <a:prstGeom prst="rect">
+            <a:avLst/>
+          </a:prstGeom>
+          <a:solidFill>
+            <a:schemeClr val="bg1"/>
+          </a:solidFill>
+        </p:spPr>
+        <p:txBody>
+          <a:bodyPr wrap="square" rtlCol="0">
+            <a:spAutoFit/>
+          </a:bodyPr>
+          <a:lstStyle/>
+          <a:p>
+            <a:r>
+              <a:rPr lang="fr-FR" sz="1400" b="1" dirty="0"/>
+              <a:t>Augmentation des valeurs foncières 2020</a:t>
+            </a:r>
+          </a:p>
+        </p:txBody>
+      </p:sp>
+      <p:pic>
+        <p:nvPicPr>
+          <p:cNvPr id="7" name="Image 6">
+            <a:extLst>
+              <a:ext uri="{FF2B5EF4-FFF2-40B4-BE49-F238E27FC236}">
+                <a16:creationId xmlns:a16="http://schemas.microsoft.com/office/drawing/2014/main" id="{40C6D870-7518-40D0-8C31-1B6DB1F212EF}"/>
+              </a:ext>
+            </a:extLst>
+          </p:cNvPr>
+          <p:cNvPicPr>
+            <a:picLocks noChangeAspect="1"/>
+          </p:cNvPicPr>
+          <p:nvPr/>
+        </p:nvPicPr>
+        <p:blipFill>
+          <a:blip r:embed="rId9"/>
+          <a:stretch>
+            <a:fillRect/>
+          </a:stretch>
+        </p:blipFill>
+        <p:spPr>
+          <a:xfrm>
+            <a:off x="5873633" y="3941993"/>
+            <a:ext cx="2537841" cy="2566251"/>
+          </a:xfrm>
+          <a:prstGeom prst="rect">
+            <a:avLst/>
+          </a:prstGeom>
+        </p:spPr>
+      </p:pic>
+      <p:sp>
+        <p:nvSpPr>
+          <p:cNvPr id="34" name="ZoneTexte 33">
+            <a:extLst>
+              <a:ext uri="{FF2B5EF4-FFF2-40B4-BE49-F238E27FC236}">
+                <a16:creationId xmlns:a16="http://schemas.microsoft.com/office/drawing/2014/main" id="{034C8F53-A947-4185-8F23-2B47219C93BB}"/>
+              </a:ext>
+            </a:extLst>
+          </p:cNvPr>
+          <p:cNvSpPr txBox="1"/>
+          <p:nvPr/>
+        </p:nvSpPr>
+        <p:spPr>
+          <a:xfrm>
+            <a:off x="6050948" y="3516426"/>
+            <a:ext cx="2401987" cy="338554"/>
+          </a:xfrm>
+          <a:prstGeom prst="rect">
+            <a:avLst/>
+          </a:prstGeom>
+          <a:noFill/>
+        </p:spPr>
+        <p:txBody>
+          <a:bodyPr wrap="square" rtlCol="0">
+            <a:spAutoFit/>
+          </a:bodyPr>
+          <a:lstStyle/>
+          <a:p>
+            <a:pPr algn="ctr"/>
+            <a:r>
+              <a:rPr lang="fr-FR" sz="1600" b="1" dirty="0"/>
+              <a:t>Evolution des ventes</a:t>
+            </a:r>
+          </a:p>
+        </p:txBody>
+      </p:sp>
+      <p:sp>
+        <p:nvSpPr>
+          <p:cNvPr id="36" name="ZoneTexte 35">
+            <a:extLst>
+              <a:ext uri="{FF2B5EF4-FFF2-40B4-BE49-F238E27FC236}">
+                <a16:creationId xmlns:a16="http://schemas.microsoft.com/office/drawing/2014/main" id="{8CC9192F-247E-4345-A43F-024C780CB9DA}"/>
+              </a:ext>
+            </a:extLst>
+          </p:cNvPr>
+          <p:cNvSpPr txBox="1"/>
+          <p:nvPr/>
+        </p:nvSpPr>
+        <p:spPr>
+          <a:xfrm>
+            <a:off x="9246749" y="3524489"/>
+            <a:ext cx="2163783" cy="338554"/>
+          </a:xfrm>
+          <a:prstGeom prst="rect">
+            <a:avLst/>
+          </a:prstGeom>
+          <a:noFill/>
+        </p:spPr>
+        <p:txBody>
+          <a:bodyPr wrap="square" rtlCol="0">
+            <a:spAutoFit/>
+          </a:bodyPr>
+          <a:lstStyle/>
+          <a:p>
+            <a:pPr algn="ctr"/>
+            <a:r>
+              <a:rPr lang="fr-FR" sz="1600" b="1" dirty="0"/>
+              <a:t>Evolution des prix</a:t>
+            </a:r>
+          </a:p>
+        </p:txBody>
+      </p:sp>
+      <p:pic>
+        <p:nvPicPr>
+          <p:cNvPr id="17" name="Image 16">
+            <a:extLst>
+              <a:ext uri="{FF2B5EF4-FFF2-40B4-BE49-F238E27FC236}">
+                <a16:creationId xmlns:a16="http://schemas.microsoft.com/office/drawing/2014/main" id="{B281A431-B8E9-4AF2-ADC0-7A463A33B702}"/>
+              </a:ext>
+            </a:extLst>
+          </p:cNvPr>
+          <p:cNvPicPr>
+            <a:picLocks noChangeAspect="1"/>
+          </p:cNvPicPr>
+          <p:nvPr/>
+        </p:nvPicPr>
+        <p:blipFill>
+          <a:blip r:embed="rId10"/>
+          <a:stretch>
+            <a:fillRect/>
+          </a:stretch>
+        </p:blipFill>
+        <p:spPr>
+          <a:xfrm>
+            <a:off x="9138681" y="3933129"/>
+            <a:ext cx="2602732" cy="2584108"/>
+          </a:xfrm>
+          <a:prstGeom prst="rect">
+            <a:avLst/>
+          </a:prstGeom>
+        </p:spPr>
+      </p:pic>
+      <p:pic>
+        <p:nvPicPr>
+          <p:cNvPr id="19" name="Image 18">
+            <a:extLst>
+              <a:ext uri="{FF2B5EF4-FFF2-40B4-BE49-F238E27FC236}">
+                <a16:creationId xmlns:a16="http://schemas.microsoft.com/office/drawing/2014/main" id="{DAC70571-43C3-41BC-8015-1896504CA4E2}"/>
+              </a:ext>
+            </a:extLst>
+          </p:cNvPr>
+          <p:cNvPicPr>
+            <a:picLocks noChangeAspect="1"/>
+          </p:cNvPicPr>
+          <p:nvPr/>
+        </p:nvPicPr>
+        <p:blipFill>
+          <a:blip r:embed="rId11"/>
+          <a:stretch>
+            <a:fillRect/>
+          </a:stretch>
+        </p:blipFill>
+        <p:spPr>
+          <a:xfrm>
+            <a:off x="2972733" y="5534375"/>
+            <a:ext cx="1808711" cy="1145544"/>
+          </a:xfrm>
+          <a:prstGeom prst="rect">
+            <a:avLst/>
+          </a:prstGeom>
+        </p:spPr>
+      </p:pic>
+      <p:pic>
+        <p:nvPicPr>
+          <p:cNvPr id="38" name="Image 37">
+            <a:extLst>
+              <a:ext uri="{FF2B5EF4-FFF2-40B4-BE49-F238E27FC236}">
+                <a16:creationId xmlns:a16="http://schemas.microsoft.com/office/drawing/2014/main" id="{54B1CBFE-8EC3-4262-81CE-D5F4D010C98A}"/>
+              </a:ext>
+            </a:extLst>
+          </p:cNvPr>
+          <p:cNvPicPr>
+            <a:picLocks noChangeAspect="1"/>
+          </p:cNvPicPr>
+          <p:nvPr/>
+        </p:nvPicPr>
+        <p:blipFill>
+          <a:blip r:embed="rId12"/>
+          <a:stretch>
+            <a:fillRect/>
+          </a:stretch>
+        </p:blipFill>
+        <p:spPr>
+          <a:xfrm>
+            <a:off x="5565601" y="6295266"/>
+            <a:ext cx="1087455" cy="402527"/>
+          </a:xfrm>
+          <a:prstGeom prst="rect">
+            <a:avLst/>
+          </a:prstGeom>
+        </p:spPr>
+      </p:pic>
+      <p:pic>
+        <p:nvPicPr>
+          <p:cNvPr id="40" name="Image 39">
+            <a:extLst>
+              <a:ext uri="{FF2B5EF4-FFF2-40B4-BE49-F238E27FC236}">
+                <a16:creationId xmlns:a16="http://schemas.microsoft.com/office/drawing/2014/main" id="{6D0B1361-370B-4F72-8307-03311B2610BA}"/>
+              </a:ext>
+            </a:extLst>
+          </p:cNvPr>
+          <p:cNvPicPr>
+            <a:picLocks noChangeAspect="1"/>
+          </p:cNvPicPr>
+          <p:nvPr/>
+        </p:nvPicPr>
+        <p:blipFill>
+          <a:blip r:embed="rId13"/>
+          <a:stretch>
+            <a:fillRect/>
+          </a:stretch>
+        </p:blipFill>
+        <p:spPr>
+          <a:xfrm>
+            <a:off x="8758556" y="6315974"/>
+            <a:ext cx="1144701" cy="406369"/>
+          </a:xfrm>
+          <a:prstGeom prst="rect">
+            <a:avLst/>
+          </a:prstGeom>
+        </p:spPr>
+      </p:pic>
+      <p:sp>
+        <p:nvSpPr>
+          <p:cNvPr id="2" name="ZoneTexte 1">
+            <a:extLst>
+              <a:ext uri="{FF2B5EF4-FFF2-40B4-BE49-F238E27FC236}">
+                <a16:creationId xmlns:a16="http://schemas.microsoft.com/office/drawing/2014/main" id="{D5C3C84C-3A49-42BF-820D-D4C5812C0720}"/>
+              </a:ext>
+            </a:extLst>
+          </p:cNvPr>
+          <p:cNvSpPr txBox="1"/>
+          <p:nvPr/>
+        </p:nvSpPr>
+        <p:spPr>
+          <a:xfrm>
+            <a:off x="8452936" y="3563797"/>
+            <a:ext cx="699337" cy="338554"/>
+          </a:xfrm>
+          <a:prstGeom prst="rect">
+            <a:avLst/>
+          </a:prstGeom>
+          <a:noFill/>
+          <a:ln w="12700">
+            <a:solidFill>
+              <a:schemeClr val="tx1"/>
+            </a:solidFill>
+          </a:ln>
+        </p:spPr>
+        <p:txBody>
+          <a:bodyPr wrap="square" rtlCol="0">
+            <a:spAutoFit/>
+          </a:bodyPr>
+          <a:lstStyle/>
+          <a:p>
+            <a:r>
+              <a:rPr lang="fr-FR" sz="1600" b="1" dirty="0"/>
+              <a:t>2020</a:t>
+            </a:r>
+          </a:p>
+        </p:txBody>
+      </p:sp>
+      <p:sp>
+        <p:nvSpPr>
+          <p:cNvPr id="39" name="Rectangle 38">
+            <a:extLst>
+              <a:ext uri="{FF2B5EF4-FFF2-40B4-BE49-F238E27FC236}">
+                <a16:creationId xmlns:a16="http://schemas.microsoft.com/office/drawing/2014/main" id="{B3C62367-A581-4203-B32F-F5F7BF6118DC}"/>
+              </a:ext>
+            </a:extLst>
+          </p:cNvPr>
+          <p:cNvSpPr/>
+          <p:nvPr/>
+        </p:nvSpPr>
+        <p:spPr>
+          <a:xfrm>
+            <a:off x="227756" y="5486342"/>
+            <a:ext cx="2504763" cy="1247687"/>
+          </a:xfrm>
+          <a:prstGeom prst="rect">
+            <a:avLst/>
+          </a:prstGeom>
+          <a:solidFill>
+            <a:schemeClr val="bg1"/>
+          </a:solidFill>
+        </p:spPr>
+        <p:style>
+          <a:lnRef idx="2">
+            <a:schemeClr val="accent1">
+              <a:shade val="50000"/>
+            </a:schemeClr>
+          </a:lnRef>
+          <a:fillRef idx="1">
+            <a:schemeClr val="accent1"/>
+          </a:fillRef>
+          <a:effectRef idx="0">
+            <a:schemeClr val="accent1"/>
+          </a:effectRef>
+          <a:fontRef idx="minor">
+            <a:schemeClr val="lt1"/>
+          </a:fontRef>
+        </p:style>
+        <p:txBody>
+          <a:bodyPr rtlCol="0" anchor="ctr"/>
+          <a:lstStyle/>
+          <a:p>
+            <a:pPr algn="ctr"/>
+            <a:endParaRPr lang="fr-FR" sz="2400" dirty="0"/>
+          </a:p>
+        </p:txBody>
+      </p:sp>
+      <p:sp>
+        <p:nvSpPr>
+          <p:cNvPr id="30" name="ZoneTexte 29">
+            <a:extLst>
+              <a:ext uri="{FF2B5EF4-FFF2-40B4-BE49-F238E27FC236}">
+                <a16:creationId xmlns:a16="http://schemas.microsoft.com/office/drawing/2014/main" id="{C11C99C5-11ED-4E08-81A8-DC5C6A0542C7}"/>
+              </a:ext>
+            </a:extLst>
+          </p:cNvPr>
+          <p:cNvSpPr txBox="1"/>
+          <p:nvPr/>
+        </p:nvSpPr>
+        <p:spPr>
+          <a:xfrm>
+            <a:off x="302236" y="5578459"/>
+            <a:ext cx="2357813" cy="954107"/>
+          </a:xfrm>
+          <a:prstGeom prst="rect">
+            <a:avLst/>
+          </a:prstGeom>
+          <a:noFill/>
+        </p:spPr>
+        <p:txBody>
+          <a:bodyPr wrap="square" rtlCol="0">
+            <a:spAutoFit/>
+          </a:bodyPr>
+          <a:lstStyle/>
+          <a:p>
+            <a:pPr algn="ctr"/>
+            <a:r>
+              <a:rPr lang="fr-FR" sz="1600" b="1" dirty="0"/>
+              <a:t>Vente de maisons</a:t>
+            </a:r>
+          </a:p>
+          <a:p>
+            <a:pPr algn="ctr"/>
+            <a:r>
+              <a:rPr lang="fr-FR" sz="1600" b="1" dirty="0"/>
+              <a:t>en 2020</a:t>
+            </a:r>
+          </a:p>
+          <a:p>
+            <a:pPr algn="ctr"/>
+            <a:r>
+              <a:rPr lang="fr-FR" sz="2400" b="1" dirty="0">
+                <a:solidFill>
+                  <a:srgbClr val="00B050"/>
+                </a:solidFill>
+              </a:rPr>
+              <a:t>+3%</a:t>
+            </a:r>
+            <a:endParaRPr lang="fr-FR" sz="2400" b="1" dirty="0"/>
+          </a:p>
+        </p:txBody>
+      </p:sp>
+      <p:sp>
+        <p:nvSpPr>
+          <p:cNvPr id="41" name="ZoneTexte 40">
+            <a:extLst>
+              <a:ext uri="{FF2B5EF4-FFF2-40B4-BE49-F238E27FC236}">
+                <a16:creationId xmlns:a16="http://schemas.microsoft.com/office/drawing/2014/main" id="{3574E1C7-A480-45DB-A108-7D19FFF5F867}"/>
+              </a:ext>
+            </a:extLst>
+          </p:cNvPr>
+          <p:cNvSpPr txBox="1"/>
+          <p:nvPr/>
+        </p:nvSpPr>
+        <p:spPr>
+          <a:xfrm>
+            <a:off x="4778588" y="6419715"/>
+            <a:ext cx="577083" cy="256545"/>
+          </a:xfrm>
+          <a:prstGeom prst="rect">
+            <a:avLst/>
+          </a:prstGeom>
+          <a:noFill/>
+          <a:ln w="12700">
+            <a:solidFill>
+              <a:schemeClr val="tx1"/>
+            </a:solidFill>
+          </a:ln>
+        </p:spPr>
+        <p:txBody>
+          <a:bodyPr wrap="square" rtlCol="0">
+            <a:spAutoFit/>
+          </a:bodyPr>
+          <a:lstStyle/>
+          <a:p>
+            <a:r>
+              <a:rPr lang="fr-FR" sz="1067" b="1" dirty="0"/>
+              <a:t>2020</a:t>
+            </a:r>
+          </a:p>
+        </p:txBody>
+      </p:sp>
+      <p:sp>
+        <p:nvSpPr>
+          <p:cNvPr id="8" name="Rectangle 7">
+            <a:extLst>
+              <a:ext uri="{FF2B5EF4-FFF2-40B4-BE49-F238E27FC236}">
+                <a16:creationId xmlns:a16="http://schemas.microsoft.com/office/drawing/2014/main" id="{0F1ECD62-C407-4EFE-9C47-FF840DF15EEA}"/>
+              </a:ext>
+            </a:extLst>
+          </p:cNvPr>
+          <p:cNvSpPr/>
+          <p:nvPr/>
+        </p:nvSpPr>
+        <p:spPr>
+          <a:xfrm>
+            <a:off x="2695032" y="1298900"/>
+            <a:ext cx="780689" cy="90837"/>
+          </a:xfrm>
+          <a:prstGeom prst="rect">
+            <a:avLst/>
+          </a:prstGeom>
+          <a:solidFill>
+            <a:schemeClr val="bg1"/>
+          </a:solidFill>
+          <a:ln>
+            <a:solidFill>
+              <a:schemeClr val="bg1"/>
+            </a:solidFill>
+          </a:ln>
+        </p:spPr>
+        <p:style>
+          <a:lnRef idx="2">
+            <a:schemeClr val="accent1">
+              <a:shade val="50000"/>
+            </a:schemeClr>
+          </a:lnRef>
+          <a:fillRef idx="1">
+            <a:schemeClr val="accent1"/>
+          </a:fillRef>
+          <a:effectRef idx="0">
+            <a:schemeClr val="accent1"/>
+          </a:effectRef>
+          <a:fontRef idx="minor">
+            <a:schemeClr val="lt1"/>
+          </a:fontRef>
+        </p:style>
+        <p:txBody>
+          <a:bodyPr rtlCol="0" anchor="ctr"/>
+          <a:lstStyle/>
+          <a:p>
+            <a:pPr algn="ctr"/>
+            <a:endParaRPr lang="fr-FR" sz="2400"/>
+          </a:p>
+        </p:txBody>
+      </p:sp>
+      <p:cxnSp>
+        <p:nvCxnSpPr>
+          <p:cNvPr id="11" name="Connecteur droit 10">
+            <a:extLst>
+              <a:ext uri="{FF2B5EF4-FFF2-40B4-BE49-F238E27FC236}">
+                <a16:creationId xmlns:a16="http://schemas.microsoft.com/office/drawing/2014/main" id="{316D9D8F-D019-415B-B252-C0C7871105C2}"/>
+              </a:ext>
+            </a:extLst>
+          </p:cNvPr>
+          <p:cNvCxnSpPr/>
+          <p:nvPr/>
+        </p:nvCxnSpPr>
+        <p:spPr>
+          <a:xfrm>
+            <a:off x="7772400" y="1943200"/>
+            <a:ext cx="3926203" cy="0"/>
+          </a:xfrm>
+          <a:prstGeom prst="line">
+            <a:avLst/>
+          </a:prstGeom>
+          <a:ln>
+            <a:solidFill>
+              <a:srgbClr val="C00000"/>
+            </a:solidFill>
+          </a:ln>
+        </p:spPr>
+        <p:style>
+          <a:lnRef idx="1">
+            <a:schemeClr val="accent1"/>
+          </a:lnRef>
+          <a:fillRef idx="0">
+            <a:schemeClr val="accent1"/>
+          </a:fillRef>
+          <a:effectRef idx="0">
+            <a:schemeClr val="accent1"/>
+          </a:effectRef>
+          <a:fontRef idx="minor">
+            <a:schemeClr val="tx1"/>
+          </a:fontRef>
+        </p:style>
+      </p:cxnSp>
+      <p:sp>
+        <p:nvSpPr>
+          <p:cNvPr id="13" name="ZoneTexte 12">
+            <a:extLst>
+              <a:ext uri="{FF2B5EF4-FFF2-40B4-BE49-F238E27FC236}">
+                <a16:creationId xmlns:a16="http://schemas.microsoft.com/office/drawing/2014/main" id="{EF2A9F7D-1656-40AD-B507-0F9CDBBD1869}"/>
+              </a:ext>
+            </a:extLst>
+          </p:cNvPr>
+          <p:cNvSpPr txBox="1"/>
+          <p:nvPr/>
+        </p:nvSpPr>
+        <p:spPr>
+          <a:xfrm>
+            <a:off x="7688469" y="1668500"/>
+            <a:ext cx="572593" cy="307777"/>
+          </a:xfrm>
+          <a:prstGeom prst="rect">
+            <a:avLst/>
+          </a:prstGeom>
+          <a:noFill/>
+        </p:spPr>
+        <p:txBody>
+          <a:bodyPr wrap="none" rtlCol="0">
+            <a:spAutoFit/>
+          </a:bodyPr>
+          <a:lstStyle/>
+          <a:p>
+            <a:r>
+              <a:rPr lang="fr-FR" sz="1400" dirty="0">
+                <a:solidFill>
+                  <a:srgbClr val="C00000"/>
+                </a:solidFill>
+              </a:rPr>
+              <a:t>223k</a:t>
+            </a:r>
           </a:p>
         </p:txBody>
       </p:sp>
     </p:spTree>
     <p:extLst>
       <p:ext uri="{BB962C8B-B14F-4D97-AF65-F5344CB8AC3E}">
-        <p14:creationId xmlns:p14="http://schemas.microsoft.com/office/powerpoint/2010/main" val="3301424043"/>
+        <p14:creationId xmlns:p14="http://schemas.microsoft.com/office/powerpoint/2010/main" val="2536824712"/>
       </p:ext>
     </p:extLst>
   </p:cSld>
